--- a/达美交流网络规划部分Eng20160918.pptx
+++ b/达美交流网络规划部分Eng20160918.pptx
@@ -153,27 +153,22 @@
               </a:defRPr>
             </a:pPr>
             <a:r>
-              <a:rPr lang="zh-CN" altLang="en-US" sz="1600">
-                <a:latin typeface="微软雅黑" pitchFamily="34" charset="-122"/>
+              <a:rPr lang="en-US" altLang="zh-CN" sz="1600">
+                <a:latin typeface="Arial" pitchFamily="34" charset="0"/>
                 <a:ea typeface="微软雅黑" pitchFamily="34" charset="-122"/>
+                <a:cs typeface="Arial" pitchFamily="34" charset="0"/>
               </a:rPr>
-              <a:t>新机场投入运营后第一年的增长幅度</a:t>
+              <a:t>First Year Growth after New airport launched</a:t>
             </a:r>
             <a:endParaRPr lang="zh-CN" altLang="en-US" sz="1600">
-              <a:latin typeface="微软雅黑" pitchFamily="34" charset="-122"/>
+              <a:latin typeface="Arial" pitchFamily="34" charset="0"/>
               <a:ea typeface="微软雅黑" pitchFamily="34" charset="-122"/>
+              <a:cs typeface="Arial" pitchFamily="34" charset="0"/>
             </a:endParaRPr>
           </a:p>
         </c:rich>
       </c:tx>
-      <c:layout>
-        <c:manualLayout>
-          <c:xMode val="edge"/>
-          <c:yMode val="edge"/>
-          <c:x val="0.14561767047823"/>
-          <c:y val="0.0576368876080692"/>
-        </c:manualLayout>
-      </c:layout>
+      <c:layout/>
       <c:overlay val="0"/>
       <c:spPr>
         <a:noFill/>
@@ -268,13 +263,13 @@
               <c:strCache>
                 <c:ptCount val="3"/>
                 <c:pt idx="0">
-                  <c:v>广州</c:v>
+                  <c:v>Guangzhou</c:v>
                 </c:pt>
                 <c:pt idx="1">
-                  <c:v>上海</c:v>
+                  <c:v>Shanghai</c:v>
                 </c:pt>
                 <c:pt idx="2">
-                  <c:v>北京（预计）</c:v>
+                  <c:v>Beijng</c:v>
                 </c:pt>
               </c:strCache>
             </c:strRef>
@@ -292,7 +287,7 @@
                   <c:v>0.59</c:v>
                 </c:pt>
                 <c:pt idx="2">
-                  <c:v>0.5</c:v>
+                  <c:v>0.4</c:v>
                 </c:pt>
               </c:numCache>
             </c:numRef>
@@ -2647,12 +2642,16 @@
         <a:lstStyle/>
         <a:p>
           <a:r>
-            <a:rPr lang="zh-CN" altLang="en-US" dirty="0">
+            <a:rPr lang="en-US" altLang="zh-CN" dirty="0">
               <a:latin typeface="微软雅黑" pitchFamily="34" charset="-122"/>
               <a:ea typeface="微软雅黑" pitchFamily="34" charset="-122"/>
             </a:rPr>
-            <a:t>过渡期</a:t>
+            <a:t>Transition</a:t>
           </a:r>
+          <a:endParaRPr lang="zh-CN" altLang="en-US" dirty="0">
+            <a:latin typeface="微软雅黑" pitchFamily="34" charset="-122"/>
+            <a:ea typeface="微软雅黑" pitchFamily="34" charset="-122"/>
+          </a:endParaRPr>
         </a:p>
       </dgm:t>
     </dgm:pt>
@@ -2692,12 +2691,16 @@
         <a:lstStyle/>
         <a:p>
           <a:r>
-            <a:rPr lang="zh-CN" altLang="en-US" dirty="0">
+            <a:rPr lang="en-US" altLang="zh-CN" dirty="0">
               <a:latin typeface="微软雅黑" pitchFamily="34" charset="-122"/>
               <a:ea typeface="微软雅黑" pitchFamily="34" charset="-122"/>
             </a:rPr>
-            <a:t>网络搭建期</a:t>
+            <a:t>Build-up</a:t>
           </a:r>
+          <a:endParaRPr lang="zh-CN" altLang="en-US" dirty="0">
+            <a:latin typeface="微软雅黑" pitchFamily="34" charset="-122"/>
+            <a:ea typeface="微软雅黑" pitchFamily="34" charset="-122"/>
+          </a:endParaRPr>
         </a:p>
       </dgm:t>
     </dgm:pt>
@@ -2737,12 +2740,16 @@
         <a:lstStyle/>
         <a:p>
           <a:r>
-            <a:rPr lang="zh-CN" altLang="en-US" dirty="0">
+            <a:rPr lang="en-US" altLang="zh-CN" dirty="0">
               <a:latin typeface="微软雅黑" pitchFamily="34" charset="-122"/>
               <a:ea typeface="微软雅黑" pitchFamily="34" charset="-122"/>
             </a:rPr>
-            <a:t>全面铺开期</a:t>
+            <a:t>Full Scale</a:t>
           </a:r>
+          <a:endParaRPr lang="zh-CN" altLang="en-US" dirty="0">
+            <a:latin typeface="微软雅黑" pitchFamily="34" charset="-122"/>
+            <a:ea typeface="微软雅黑" pitchFamily="34" charset="-122"/>
+          </a:endParaRPr>
         </a:p>
       </dgm:t>
     </dgm:pt>
@@ -2857,19 +2864,41 @@
       </dgm:t>
     </dgm:pt>
     <dgm:pt modelId="{7E0FB5D8-ABFA-4BAD-9C76-DFF70CB6B7CC}">
-      <dgm:prSet phldrT="[文本]"/>
+      <dgm:prSet phldrT="[文本]" custT="1"/>
       <dgm:spPr/>
       <dgm:t>
         <a:bodyPr/>
         <a:lstStyle/>
         <a:p>
           <a:r>
-            <a:rPr lang="zh-CN" altLang="en-US" dirty="0">
-              <a:latin typeface="微软雅黑" pitchFamily="34" charset="-122"/>
+            <a:rPr lang="en-US" altLang="zh-CN" sz="1600" dirty="0">
+              <a:latin typeface="Arial" pitchFamily="34" charset="0"/>
               <a:ea typeface="微软雅黑" pitchFamily="34" charset="-122"/>
+              <a:cs typeface="Arial" pitchFamily="34" charset="0"/>
             </a:rPr>
-            <a:t>北京航空枢纽</a:t>
+            <a:t>CZ Routes in </a:t>
           </a:r>
+          <a:r>
+            <a:rPr lang="en-US" altLang="zh-CN" sz="1600" dirty="0" err="1">
+              <a:latin typeface="Arial" pitchFamily="34" charset="0"/>
+              <a:ea typeface="微软雅黑" pitchFamily="34" charset="-122"/>
+              <a:cs typeface="Arial" pitchFamily="34" charset="0"/>
+            </a:rPr>
+            <a:t>Daxing</a:t>
+          </a:r>
+          <a:r>
+            <a:rPr lang="en-US" altLang="zh-CN" sz="1600" dirty="0">
+              <a:latin typeface="Arial" pitchFamily="34" charset="0"/>
+              <a:ea typeface="微软雅黑" pitchFamily="34" charset="-122"/>
+              <a:cs typeface="Arial" pitchFamily="34" charset="0"/>
+            </a:rPr>
+            <a:t> Airport</a:t>
+          </a:r>
+          <a:endParaRPr lang="zh-CN" altLang="en-US" sz="1600" dirty="0">
+            <a:latin typeface="Arial" pitchFamily="34" charset="0"/>
+            <a:ea typeface="微软雅黑" pitchFamily="34" charset="-122"/>
+            <a:cs typeface="Arial" pitchFamily="34" charset="0"/>
+          </a:endParaRPr>
         </a:p>
       </dgm:t>
     </dgm:pt>
@@ -2880,9 +2909,10 @@
         <a:bodyPr/>
         <a:lstStyle/>
         <a:p>
-          <a:endParaRPr lang="zh-CN" altLang="en-US">
-            <a:latin typeface="微软雅黑" pitchFamily="34" charset="-122"/>
+          <a:endParaRPr lang="zh-CN" altLang="en-US" sz="2400">
+            <a:latin typeface="Arial" pitchFamily="34" charset="0"/>
             <a:ea typeface="微软雅黑" pitchFamily="34" charset="-122"/>
+            <a:cs typeface="Arial" pitchFamily="34" charset="0"/>
           </a:endParaRPr>
         </a:p>
       </dgm:t>
@@ -2894,40 +2924,48 @@
         <a:bodyPr/>
         <a:lstStyle/>
         <a:p>
-          <a:endParaRPr lang="zh-CN" altLang="en-US">
-            <a:latin typeface="微软雅黑" pitchFamily="34" charset="-122"/>
+          <a:endParaRPr lang="zh-CN" altLang="en-US" sz="2400">
+            <a:latin typeface="Arial" pitchFamily="34" charset="0"/>
             <a:ea typeface="微软雅黑" pitchFamily="34" charset="-122"/>
+            <a:cs typeface="Arial" pitchFamily="34" charset="0"/>
           </a:endParaRPr>
         </a:p>
       </dgm:t>
     </dgm:pt>
     <dgm:pt modelId="{58181222-1943-4677-8D59-30E82BD80890}">
-      <dgm:prSet phldrT="[文本]"/>
+      <dgm:prSet phldrT="[文本]" custT="1"/>
       <dgm:spPr/>
       <dgm:t>
         <a:bodyPr/>
         <a:lstStyle/>
         <a:p>
           <a:r>
-            <a:rPr lang="zh-CN" altLang="en-US" dirty="0">
-              <a:latin typeface="微软雅黑" pitchFamily="34" charset="-122"/>
+            <a:rPr lang="en-US" altLang="zh-CN" sz="1600" dirty="0">
+              <a:latin typeface="Arial" pitchFamily="34" charset="0"/>
               <a:ea typeface="微软雅黑" pitchFamily="34" charset="-122"/>
+              <a:cs typeface="Arial" pitchFamily="34" charset="0"/>
             </a:rPr>
-            <a:t>国际</a:t>
+            <a:t>International</a:t>
           </a:r>
+          <a:endParaRPr lang="zh-CN" altLang="en-US" sz="1600" dirty="0">
+            <a:latin typeface="Arial" pitchFamily="34" charset="0"/>
+            <a:ea typeface="微软雅黑" pitchFamily="34" charset="-122"/>
+            <a:cs typeface="Arial" pitchFamily="34" charset="0"/>
+          </a:endParaRPr>
         </a:p>
       </dgm:t>
     </dgm:pt>
     <dgm:pt modelId="{18A5F792-A6AC-4058-9A27-DB63CCD32575}" cxnId="{4FF3DA3B-C42B-41B3-8955-3EA8A21C3C18}" type="parTrans">
-      <dgm:prSet/>
+      <dgm:prSet custT="1"/>
       <dgm:spPr/>
       <dgm:t>
         <a:bodyPr/>
         <a:lstStyle/>
         <a:p>
-          <a:endParaRPr lang="zh-CN" altLang="en-US">
-            <a:latin typeface="微软雅黑" pitchFamily="34" charset="-122"/>
+          <a:endParaRPr lang="zh-CN" altLang="en-US" sz="700">
+            <a:latin typeface="Arial" pitchFamily="34" charset="0"/>
             <a:ea typeface="微软雅黑" pitchFamily="34" charset="-122"/>
+            <a:cs typeface="Arial" pitchFamily="34" charset="0"/>
           </a:endParaRPr>
         </a:p>
       </dgm:t>
@@ -2939,45 +2977,48 @@
         <a:bodyPr/>
         <a:lstStyle/>
         <a:p>
-          <a:endParaRPr lang="zh-CN" altLang="en-US">
-            <a:latin typeface="微软雅黑" pitchFamily="34" charset="-122"/>
+          <a:endParaRPr lang="zh-CN" altLang="en-US" sz="2400">
+            <a:latin typeface="Arial" pitchFamily="34" charset="0"/>
             <a:ea typeface="微软雅黑" pitchFamily="34" charset="-122"/>
+            <a:cs typeface="Arial" pitchFamily="34" charset="0"/>
           </a:endParaRPr>
         </a:p>
       </dgm:t>
     </dgm:pt>
     <dgm:pt modelId="{A464C5B2-5DF5-412E-91B7-48AA62C8B8DB}">
-      <dgm:prSet phldrT="[文本]"/>
+      <dgm:prSet phldrT="[文本]" custT="1"/>
       <dgm:spPr/>
       <dgm:t>
         <a:bodyPr/>
         <a:lstStyle/>
         <a:p>
           <a:r>
-            <a:rPr lang="zh-CN" altLang="en-US" b="0" u="none" dirty="0">
-              <a:latin typeface="微软雅黑" pitchFamily="34" charset="-122"/>
+            <a:rPr lang="en-US" altLang="zh-CN" sz="1600" b="0" u="none" dirty="0">
+              <a:latin typeface="Arial" pitchFamily="34" charset="0"/>
               <a:ea typeface="微软雅黑" pitchFamily="34" charset="-122"/>
-              <a:cs typeface="仿宋_GB2312" charset="0"/>
+              <a:cs typeface="Arial" pitchFamily="34" charset="0"/>
             </a:rPr>
-            <a:t>重点为欧美和日韩</a:t>
+            <a:t>Priority: Europe\North America\JP\KR</a:t>
           </a:r>
-          <a:endParaRPr lang="zh-CN" altLang="en-US" dirty="0">
-            <a:latin typeface="微软雅黑" pitchFamily="34" charset="-122"/>
+          <a:endParaRPr lang="zh-CN" altLang="en-US" sz="1600" dirty="0">
+            <a:latin typeface="Arial" pitchFamily="34" charset="0"/>
             <a:ea typeface="微软雅黑" pitchFamily="34" charset="-122"/>
+            <a:cs typeface="Arial" pitchFamily="34" charset="0"/>
           </a:endParaRPr>
         </a:p>
       </dgm:t>
     </dgm:pt>
     <dgm:pt modelId="{A7040FA4-B846-40F0-BFE3-14D7038ADF01}" cxnId="{AC7A0833-F0AF-464D-B15B-4C36581E0F39}" type="parTrans">
-      <dgm:prSet/>
+      <dgm:prSet custT="1"/>
       <dgm:spPr/>
       <dgm:t>
         <a:bodyPr/>
         <a:lstStyle/>
         <a:p>
-          <a:endParaRPr lang="zh-CN" altLang="en-US">
-            <a:latin typeface="微软雅黑" pitchFamily="34" charset="-122"/>
+          <a:endParaRPr lang="zh-CN" altLang="en-US" sz="700">
+            <a:latin typeface="Arial" pitchFamily="34" charset="0"/>
             <a:ea typeface="微软雅黑" pitchFamily="34" charset="-122"/>
+            <a:cs typeface="Arial" pitchFamily="34" charset="0"/>
           </a:endParaRPr>
         </a:p>
       </dgm:t>
@@ -2989,45 +3030,48 @@
         <a:bodyPr/>
         <a:lstStyle/>
         <a:p>
-          <a:endParaRPr lang="zh-CN" altLang="en-US">
-            <a:latin typeface="微软雅黑" pitchFamily="34" charset="-122"/>
+          <a:endParaRPr lang="zh-CN" altLang="en-US" sz="2400">
+            <a:latin typeface="Arial" pitchFamily="34" charset="0"/>
             <a:ea typeface="微软雅黑" pitchFamily="34" charset="-122"/>
+            <a:cs typeface="Arial" pitchFamily="34" charset="0"/>
           </a:endParaRPr>
         </a:p>
       </dgm:t>
     </dgm:pt>
     <dgm:pt modelId="{3E0F93F5-7AC7-463A-84CD-4DDFDD8238A3}">
-      <dgm:prSet phldrT="[文本]"/>
+      <dgm:prSet phldrT="[文本]" custT="1"/>
       <dgm:spPr/>
       <dgm:t>
         <a:bodyPr/>
         <a:lstStyle/>
         <a:p>
           <a:r>
-            <a:rPr lang="zh-CN" altLang="en-US" b="0" u="none" dirty="0">
-              <a:latin typeface="微软雅黑" pitchFamily="34" charset="-122"/>
+            <a:rPr lang="en-US" altLang="zh-CN" sz="1600" b="0" u="none" dirty="0">
+              <a:latin typeface="Arial" pitchFamily="34" charset="0"/>
               <a:ea typeface="微软雅黑" pitchFamily="34" charset="-122"/>
-              <a:cs typeface="仿宋_GB2312" charset="0"/>
+              <a:cs typeface="Arial" pitchFamily="34" charset="0"/>
             </a:rPr>
-            <a:t>兼顾大洋洲、非洲、中东、中西亚</a:t>
+            <a:t>Supplementary: Oceania\Africa\Middle East\Middle &amp; West Asia</a:t>
           </a:r>
-          <a:endParaRPr lang="zh-CN" altLang="en-US" dirty="0">
-            <a:latin typeface="微软雅黑" pitchFamily="34" charset="-122"/>
+          <a:endParaRPr lang="zh-CN" altLang="en-US" sz="1600" dirty="0">
+            <a:latin typeface="Arial" pitchFamily="34" charset="0"/>
             <a:ea typeface="微软雅黑" pitchFamily="34" charset="-122"/>
+            <a:cs typeface="Arial" pitchFamily="34" charset="0"/>
           </a:endParaRPr>
         </a:p>
       </dgm:t>
     </dgm:pt>
     <dgm:pt modelId="{695C9B85-534B-4569-A96E-E7D36EEBF8CC}" cxnId="{2BF6CD90-C81E-4457-B67A-EEAA2C744BDF}" type="parTrans">
-      <dgm:prSet/>
+      <dgm:prSet custT="1"/>
       <dgm:spPr/>
       <dgm:t>
         <a:bodyPr/>
         <a:lstStyle/>
         <a:p>
-          <a:endParaRPr lang="zh-CN" altLang="en-US">
-            <a:latin typeface="微软雅黑" pitchFamily="34" charset="-122"/>
+          <a:endParaRPr lang="zh-CN" altLang="en-US" sz="700">
+            <a:latin typeface="Arial" pitchFamily="34" charset="0"/>
             <a:ea typeface="微软雅黑" pitchFamily="34" charset="-122"/>
+            <a:cs typeface="Arial" pitchFamily="34" charset="0"/>
           </a:endParaRPr>
         </a:p>
       </dgm:t>
@@ -3039,40 +3083,48 @@
         <a:bodyPr/>
         <a:lstStyle/>
         <a:p>
-          <a:endParaRPr lang="zh-CN" altLang="en-US">
-            <a:latin typeface="微软雅黑" pitchFamily="34" charset="-122"/>
+          <a:endParaRPr lang="zh-CN" altLang="en-US" sz="2400">
+            <a:latin typeface="Arial" pitchFamily="34" charset="0"/>
             <a:ea typeface="微软雅黑" pitchFamily="34" charset="-122"/>
+            <a:cs typeface="Arial" pitchFamily="34" charset="0"/>
           </a:endParaRPr>
         </a:p>
       </dgm:t>
     </dgm:pt>
     <dgm:pt modelId="{2E765278-05C8-4394-B149-E1583098335D}">
-      <dgm:prSet phldrT="[文本]"/>
+      <dgm:prSet phldrT="[文本]" custT="1"/>
       <dgm:spPr/>
       <dgm:t>
         <a:bodyPr/>
         <a:lstStyle/>
         <a:p>
           <a:r>
-            <a:rPr lang="zh-CN" altLang="en-US" dirty="0">
-              <a:latin typeface="微软雅黑" pitchFamily="34" charset="-122"/>
+            <a:rPr lang="en-US" altLang="zh-CN" sz="1600" dirty="0">
+              <a:latin typeface="Arial" pitchFamily="34" charset="0"/>
               <a:ea typeface="微软雅黑" pitchFamily="34" charset="-122"/>
+              <a:cs typeface="Arial" pitchFamily="34" charset="0"/>
             </a:rPr>
-            <a:t>国内</a:t>
+            <a:t>Domestic</a:t>
           </a:r>
+          <a:endParaRPr lang="zh-CN" altLang="en-US" sz="1600" dirty="0">
+            <a:latin typeface="Arial" pitchFamily="34" charset="0"/>
+            <a:ea typeface="微软雅黑" pitchFamily="34" charset="-122"/>
+            <a:cs typeface="Arial" pitchFamily="34" charset="0"/>
+          </a:endParaRPr>
         </a:p>
       </dgm:t>
     </dgm:pt>
     <dgm:pt modelId="{58A2E64B-053D-41F7-A109-EADCF6218CBA}" cxnId="{2F76EBBD-CB32-41E5-89B0-7E0A4D36F1EB}" type="parTrans">
-      <dgm:prSet/>
+      <dgm:prSet custT="1"/>
       <dgm:spPr/>
       <dgm:t>
         <a:bodyPr/>
         <a:lstStyle/>
         <a:p>
-          <a:endParaRPr lang="zh-CN" altLang="en-US">
-            <a:latin typeface="微软雅黑" pitchFamily="34" charset="-122"/>
+          <a:endParaRPr lang="zh-CN" altLang="en-US" sz="700">
+            <a:latin typeface="Arial" pitchFamily="34" charset="0"/>
             <a:ea typeface="微软雅黑" pitchFamily="34" charset="-122"/>
+            <a:cs typeface="Arial" pitchFamily="34" charset="0"/>
           </a:endParaRPr>
         </a:p>
       </dgm:t>
@@ -3084,45 +3136,48 @@
         <a:bodyPr/>
         <a:lstStyle/>
         <a:p>
-          <a:endParaRPr lang="zh-CN" altLang="en-US">
-            <a:latin typeface="微软雅黑" pitchFamily="34" charset="-122"/>
+          <a:endParaRPr lang="zh-CN" altLang="en-US" sz="2400">
+            <a:latin typeface="Arial" pitchFamily="34" charset="0"/>
             <a:ea typeface="微软雅黑" pitchFamily="34" charset="-122"/>
+            <a:cs typeface="Arial" pitchFamily="34" charset="0"/>
           </a:endParaRPr>
         </a:p>
       </dgm:t>
     </dgm:pt>
     <dgm:pt modelId="{EE8663B9-D920-49BC-92DB-1B05533F8227}">
-      <dgm:prSet phldrT="[文本]"/>
+      <dgm:prSet phldrT="[文本]" custT="1"/>
       <dgm:spPr/>
       <dgm:t>
         <a:bodyPr/>
         <a:lstStyle/>
         <a:p>
           <a:r>
-            <a:rPr lang="zh-CN" altLang="en-US" b="0" u="none" dirty="0">
-              <a:latin typeface="微软雅黑" pitchFamily="34" charset="-122"/>
+            <a:rPr lang="en-US" altLang="zh-CN" sz="1600" b="0" u="none" dirty="0">
+              <a:latin typeface="Arial" pitchFamily="34" charset="0"/>
               <a:ea typeface="微软雅黑" pitchFamily="34" charset="-122"/>
-              <a:cs typeface="仿宋_GB2312" charset="0"/>
+              <a:cs typeface="Arial" pitchFamily="34" charset="0"/>
             </a:rPr>
-            <a:t>增加航班频率</a:t>
+            <a:t>Increase frequency</a:t>
           </a:r>
-          <a:endParaRPr lang="zh-CN" altLang="en-US" dirty="0">
-            <a:latin typeface="微软雅黑" pitchFamily="34" charset="-122"/>
+          <a:endParaRPr lang="zh-CN" altLang="en-US" sz="1600" dirty="0">
+            <a:latin typeface="Arial" pitchFamily="34" charset="0"/>
             <a:ea typeface="微软雅黑" pitchFamily="34" charset="-122"/>
+            <a:cs typeface="Arial" pitchFamily="34" charset="0"/>
           </a:endParaRPr>
         </a:p>
       </dgm:t>
     </dgm:pt>
     <dgm:pt modelId="{83CCEECA-5E2E-4D4B-8E4D-47CACA7EF198}" cxnId="{4CF8563F-617D-44D4-A3BE-745FC0426CD1}" type="parTrans">
-      <dgm:prSet/>
+      <dgm:prSet custT="1"/>
       <dgm:spPr/>
       <dgm:t>
         <a:bodyPr/>
         <a:lstStyle/>
         <a:p>
-          <a:endParaRPr lang="zh-CN" altLang="en-US">
-            <a:latin typeface="微软雅黑" pitchFamily="34" charset="-122"/>
+          <a:endParaRPr lang="zh-CN" altLang="en-US" sz="700">
+            <a:latin typeface="Arial" pitchFamily="34" charset="0"/>
             <a:ea typeface="微软雅黑" pitchFamily="34" charset="-122"/>
+            <a:cs typeface="Arial" pitchFamily="34" charset="0"/>
           </a:endParaRPr>
         </a:p>
       </dgm:t>
@@ -3134,41 +3189,48 @@
         <a:bodyPr/>
         <a:lstStyle/>
         <a:p>
-          <a:endParaRPr lang="zh-CN" altLang="en-US">
-            <a:latin typeface="微软雅黑" pitchFamily="34" charset="-122"/>
+          <a:endParaRPr lang="zh-CN" altLang="en-US" sz="2400">
+            <a:latin typeface="Arial" pitchFamily="34" charset="0"/>
             <a:ea typeface="微软雅黑" pitchFamily="34" charset="-122"/>
+            <a:cs typeface="Arial" pitchFamily="34" charset="0"/>
           </a:endParaRPr>
         </a:p>
       </dgm:t>
     </dgm:pt>
     <dgm:pt modelId="{E6FC5ECA-9E53-4186-A056-223C66344719}">
-      <dgm:prSet/>
+      <dgm:prSet custT="1"/>
       <dgm:spPr/>
       <dgm:t>
         <a:bodyPr/>
         <a:lstStyle/>
         <a:p>
           <a:r>
-            <a:rPr lang="zh-CN" altLang="en-US" b="0" u="none" dirty="0">
-              <a:latin typeface="微软雅黑" pitchFamily="34" charset="-122"/>
+            <a:rPr lang="en-US" altLang="zh-CN" sz="1600" b="0" u="none" dirty="0">
+              <a:latin typeface="Arial" pitchFamily="34" charset="0"/>
               <a:ea typeface="微软雅黑" pitchFamily="34" charset="-122"/>
-              <a:cs typeface="仿宋_GB2312" charset="0"/>
+              <a:cs typeface="Arial" pitchFamily="34" charset="0"/>
             </a:rPr>
-            <a:t>增加覆盖面</a:t>
+            <a:t>Increase coverage</a:t>
           </a:r>
+          <a:endParaRPr lang="zh-CN" altLang="en-US" sz="1600" b="0" u="none" dirty="0">
+            <a:latin typeface="Arial" pitchFamily="34" charset="0"/>
+            <a:ea typeface="微软雅黑" pitchFamily="34" charset="-122"/>
+            <a:cs typeface="Arial" pitchFamily="34" charset="0"/>
+          </a:endParaRPr>
         </a:p>
       </dgm:t>
     </dgm:pt>
     <dgm:pt modelId="{E80393E6-8558-498A-80D9-4C26C5E6F7FF}" cxnId="{999DE205-A91E-464D-8A19-238938EC6307}" type="parTrans">
-      <dgm:prSet/>
+      <dgm:prSet custT="1"/>
       <dgm:spPr/>
       <dgm:t>
         <a:bodyPr/>
         <a:lstStyle/>
         <a:p>
-          <a:endParaRPr lang="zh-CN" altLang="en-US">
-            <a:latin typeface="微软雅黑" pitchFamily="34" charset="-122"/>
+          <a:endParaRPr lang="zh-CN" altLang="en-US" sz="700">
+            <a:latin typeface="Arial" pitchFamily="34" charset="0"/>
             <a:ea typeface="微软雅黑" pitchFamily="34" charset="-122"/>
+            <a:cs typeface="Arial" pitchFamily="34" charset="0"/>
           </a:endParaRPr>
         </a:p>
       </dgm:t>
@@ -3180,9 +3242,10 @@
         <a:bodyPr/>
         <a:lstStyle/>
         <a:p>
-          <a:endParaRPr lang="zh-CN" altLang="en-US">
-            <a:latin typeface="微软雅黑" pitchFamily="34" charset="-122"/>
+          <a:endParaRPr lang="zh-CN" altLang="en-US" sz="2400">
+            <a:latin typeface="Arial" pitchFamily="34" charset="0"/>
             <a:ea typeface="微软雅黑" pitchFamily="34" charset="-122"/>
+            <a:cs typeface="Arial" pitchFamily="34" charset="0"/>
           </a:endParaRPr>
         </a:p>
       </dgm:t>
@@ -3503,12 +3566,16 @@
             <a:buNone/>
           </a:pPr>
           <a:r>
-            <a:rPr lang="zh-CN" altLang="en-US" sz="2100" kern="1200" dirty="0">
+            <a:rPr lang="en-US" altLang="zh-CN" sz="2100" kern="1200" dirty="0">
               <a:latin typeface="微软雅黑" panose="020B0503020204020204" pitchFamily="34" charset="-122"/>
               <a:ea typeface="微软雅黑" panose="020B0503020204020204" pitchFamily="34" charset="-122"/>
             </a:rPr>
-            <a:t>过渡期</a:t>
+            <a:t>Transition</a:t>
           </a:r>
+          <a:endParaRPr lang="zh-CN" altLang="en-US" sz="2100" kern="1200" dirty="0">
+            <a:latin typeface="微软雅黑" panose="020B0503020204020204" pitchFamily="34" charset="-122"/>
+            <a:ea typeface="微软雅黑" panose="020B0503020204020204" pitchFamily="34" charset="-122"/>
+          </a:endParaRPr>
         </a:p>
       </dsp:txBody>
       <dsp:txXfrm>
@@ -3584,12 +3651,16 @@
             <a:buNone/>
           </a:pPr>
           <a:r>
-            <a:rPr lang="zh-CN" altLang="en-US" sz="2100" kern="1200" dirty="0">
+            <a:rPr lang="en-US" altLang="zh-CN" sz="2100" kern="1200" dirty="0">
               <a:latin typeface="微软雅黑" panose="020B0503020204020204" pitchFamily="34" charset="-122"/>
               <a:ea typeface="微软雅黑" panose="020B0503020204020204" pitchFamily="34" charset="-122"/>
             </a:rPr>
-            <a:t>网络搭建期</a:t>
+            <a:t>Build-up</a:t>
           </a:r>
+          <a:endParaRPr lang="zh-CN" altLang="en-US" sz="2100" kern="1200" dirty="0">
+            <a:latin typeface="微软雅黑" panose="020B0503020204020204" pitchFamily="34" charset="-122"/>
+            <a:ea typeface="微软雅黑" panose="020B0503020204020204" pitchFamily="34" charset="-122"/>
+          </a:endParaRPr>
         </a:p>
       </dsp:txBody>
       <dsp:txXfrm>
@@ -3665,12 +3736,16 @@
             <a:buNone/>
           </a:pPr>
           <a:r>
-            <a:rPr lang="zh-CN" altLang="en-US" sz="2100" kern="1200" dirty="0">
+            <a:rPr lang="en-US" altLang="zh-CN" sz="2100" kern="1200" dirty="0">
               <a:latin typeface="微软雅黑" panose="020B0503020204020204" pitchFamily="34" charset="-122"/>
               <a:ea typeface="微软雅黑" panose="020B0503020204020204" pitchFamily="34" charset="-122"/>
             </a:rPr>
-            <a:t>全面铺开期</a:t>
+            <a:t>Full Scale</a:t>
           </a:r>
+          <a:endParaRPr lang="zh-CN" altLang="en-US" sz="2100" kern="1200" dirty="0">
+            <a:latin typeface="微软雅黑" panose="020B0503020204020204" pitchFamily="34" charset="-122"/>
+            <a:ea typeface="微软雅黑" panose="020B0503020204020204" pitchFamily="34" charset="-122"/>
+          </a:endParaRPr>
         </a:p>
       </dsp:txBody>
       <dsp:txXfrm>
@@ -3697,8 +3772,8 @@
       </dsp:nvSpPr>
       <dsp:spPr>
         <a:xfrm>
-          <a:off x="318372" y="1116256"/>
-          <a:ext cx="1293395" cy="646697"/>
+          <a:off x="216880" y="1461421"/>
+          <a:ext cx="1691202" cy="845601"/>
         </a:xfrm>
         <a:prstGeom prst="roundRect">
           <a:avLst>
@@ -3742,12 +3817,12 @@
         </a:fontRef>
       </dsp:style>
       <dsp:txBody>
-        <a:bodyPr spcFirstLastPara="0" vert="horz" wrap="square" lIns="7620" tIns="7620" rIns="7620" bIns="7620" numCol="1" spcCol="1270" anchor="ctr" anchorCtr="0">
+        <a:bodyPr spcFirstLastPara="0" vert="horz" wrap="square" lIns="10160" tIns="10160" rIns="10160" bIns="10160" numCol="1" spcCol="1270" anchor="ctr" anchorCtr="0">
           <a:noAutofit/>
         </a:bodyPr>
         <a:lstStyle/>
         <a:p>
-          <a:pPr marL="0" lvl="0" indent="0" algn="ctr" defTabSz="533400">
+          <a:pPr marL="0" lvl="0" indent="0" algn="ctr" defTabSz="711200">
             <a:lnSpc>
               <a:spcPct val="90000"/>
             </a:lnSpc>
@@ -3760,17 +3835,39 @@
             <a:buNone/>
           </a:pPr>
           <a:r>
-            <a:rPr lang="zh-CN" altLang="en-US" sz="1200" kern="1200" dirty="0">
-              <a:latin typeface="微软雅黑" panose="020B0503020204020204" pitchFamily="34" charset="-122"/>
+            <a:rPr lang="en-US" altLang="zh-CN" sz="1600" kern="1200" dirty="0">
+              <a:latin typeface="Arial" panose="020B0604020202020204" pitchFamily="34" charset="0"/>
               <a:ea typeface="微软雅黑" panose="020B0503020204020204" pitchFamily="34" charset="-122"/>
+              <a:cs typeface="Arial" panose="020B0604020202020204" pitchFamily="34" charset="0"/>
             </a:rPr>
-            <a:t>北京航空枢纽</a:t>
+            <a:t>CZ Routes in </a:t>
           </a:r>
+          <a:r>
+            <a:rPr lang="en-US" altLang="zh-CN" sz="1600" kern="1200" dirty="0" err="1">
+              <a:latin typeface="Arial" panose="020B0604020202020204" pitchFamily="34" charset="0"/>
+              <a:ea typeface="微软雅黑" panose="020B0503020204020204" pitchFamily="34" charset="-122"/>
+              <a:cs typeface="Arial" panose="020B0604020202020204" pitchFamily="34" charset="0"/>
+            </a:rPr>
+            <a:t>Daxing</a:t>
+          </a:r>
+          <a:r>
+            <a:rPr lang="en-US" altLang="zh-CN" sz="1600" kern="1200" dirty="0">
+              <a:latin typeface="Arial" panose="020B0604020202020204" pitchFamily="34" charset="0"/>
+              <a:ea typeface="微软雅黑" panose="020B0503020204020204" pitchFamily="34" charset="-122"/>
+              <a:cs typeface="Arial" panose="020B0604020202020204" pitchFamily="34" charset="0"/>
+            </a:rPr>
+            <a:t> Airport</a:t>
+          </a:r>
+          <a:endParaRPr lang="zh-CN" altLang="en-US" sz="1600" kern="1200" dirty="0">
+            <a:latin typeface="Arial" panose="020B0604020202020204" pitchFamily="34" charset="0"/>
+            <a:ea typeface="微软雅黑" panose="020B0503020204020204" pitchFamily="34" charset="-122"/>
+            <a:cs typeface="Arial" panose="020B0604020202020204" pitchFamily="34" charset="0"/>
+          </a:endParaRPr>
         </a:p>
       </dsp:txBody>
       <dsp:txXfrm>
-        <a:off x="337313" y="1135197"/>
-        <a:ext cx="1255513" cy="608815"/>
+        <a:off x="241647" y="1486188"/>
+        <a:ext cx="1641668" cy="796067"/>
       </dsp:txXfrm>
     </dsp:sp>
     <dsp:sp modelId="{3C509B43-F89D-43A1-BEA5-F9135C13AD44}">
@@ -3780,8 +3877,8 @@
       </dsp:nvSpPr>
       <dsp:spPr>
         <a:xfrm rot="18289469">
-          <a:off x="1417470" y="1047539"/>
-          <a:ext cx="905954" cy="40429"/>
+          <a:off x="1654024" y="1377806"/>
+          <a:ext cx="1184596" cy="40390"/>
         </a:xfrm>
         <a:custGeom>
           <a:avLst/>
@@ -3792,10 +3889,10 @@
           <a:pathLst>
             <a:path>
               <a:moveTo>
-                <a:pt x="0" y="20214"/>
+                <a:pt x="0" y="20195"/>
               </a:moveTo>
               <a:lnTo>
-                <a:pt x="905954" y="20214"/>
+                <a:pt x="1184596" y="20195"/>
               </a:lnTo>
             </a:path>
           </a:pathLst>
@@ -3834,7 +3931,7 @@
         </a:bodyPr>
         <a:lstStyle/>
         <a:p>
-          <a:pPr marL="0" lvl="0" indent="0" algn="ctr" defTabSz="222250">
+          <a:pPr marL="0" lvl="0" indent="0" algn="ctr" defTabSz="311150">
             <a:lnSpc>
               <a:spcPct val="90000"/>
             </a:lnSpc>
@@ -3846,15 +3943,16 @@
             </a:spcAft>
             <a:buNone/>
           </a:pPr>
-          <a:endParaRPr lang="zh-CN" altLang="en-US" sz="500" kern="1200">
-            <a:latin typeface="微软雅黑" panose="020B0503020204020204" pitchFamily="34" charset="-122"/>
+          <a:endParaRPr lang="zh-CN" altLang="en-US" sz="700" kern="1200">
+            <a:latin typeface="Arial" panose="020B0604020202020204" pitchFamily="34" charset="0"/>
             <a:ea typeface="微软雅黑" panose="020B0503020204020204" pitchFamily="34" charset="-122"/>
+            <a:cs typeface="Arial" panose="020B0604020202020204" pitchFamily="34" charset="0"/>
           </a:endParaRPr>
         </a:p>
       </dsp:txBody>
       <dsp:txXfrm>
-        <a:off x="1847798" y="1045105"/>
-        <a:ext cx="45297" cy="45297"/>
+        <a:off x="2216708" y="1368386"/>
+        <a:ext cx="59229" cy="59229"/>
       </dsp:txXfrm>
     </dsp:sp>
     <dsp:sp modelId="{32BC243B-D541-4FB6-9DFF-DF80E55FCC0D}">
@@ -3864,8 +3962,8 @@
       </dsp:nvSpPr>
       <dsp:spPr>
         <a:xfrm>
-          <a:off x="2129126" y="372554"/>
-          <a:ext cx="1293395" cy="646697"/>
+          <a:off x="2584563" y="488979"/>
+          <a:ext cx="1691202" cy="845601"/>
         </a:xfrm>
         <a:prstGeom prst="roundRect">
           <a:avLst>
@@ -3909,12 +4007,12 @@
         </a:fontRef>
       </dsp:style>
       <dsp:txBody>
-        <a:bodyPr spcFirstLastPara="0" vert="horz" wrap="square" lIns="7620" tIns="7620" rIns="7620" bIns="7620" numCol="1" spcCol="1270" anchor="ctr" anchorCtr="0">
+        <a:bodyPr spcFirstLastPara="0" vert="horz" wrap="square" lIns="10160" tIns="10160" rIns="10160" bIns="10160" numCol="1" spcCol="1270" anchor="ctr" anchorCtr="0">
           <a:noAutofit/>
         </a:bodyPr>
         <a:lstStyle/>
         <a:p>
-          <a:pPr marL="0" lvl="0" indent="0" algn="ctr" defTabSz="533400">
+          <a:pPr marL="0" lvl="0" indent="0" algn="ctr" defTabSz="711200">
             <a:lnSpc>
               <a:spcPct val="90000"/>
             </a:lnSpc>
@@ -3927,17 +4025,23 @@
             <a:buNone/>
           </a:pPr>
           <a:r>
-            <a:rPr lang="zh-CN" altLang="en-US" sz="1200" kern="1200" dirty="0">
-              <a:latin typeface="微软雅黑" panose="020B0503020204020204" pitchFamily="34" charset="-122"/>
+            <a:rPr lang="en-US" altLang="zh-CN" sz="1600" kern="1200" dirty="0">
+              <a:latin typeface="Arial" panose="020B0604020202020204" pitchFamily="34" charset="0"/>
               <a:ea typeface="微软雅黑" panose="020B0503020204020204" pitchFamily="34" charset="-122"/>
+              <a:cs typeface="Arial" panose="020B0604020202020204" pitchFamily="34" charset="0"/>
             </a:rPr>
-            <a:t>国际</a:t>
+            <a:t>International</a:t>
           </a:r>
+          <a:endParaRPr lang="zh-CN" altLang="en-US" sz="1600" kern="1200" dirty="0">
+            <a:latin typeface="Arial" panose="020B0604020202020204" pitchFamily="34" charset="0"/>
+            <a:ea typeface="微软雅黑" panose="020B0503020204020204" pitchFamily="34" charset="-122"/>
+            <a:cs typeface="Arial" panose="020B0604020202020204" pitchFamily="34" charset="0"/>
+          </a:endParaRPr>
         </a:p>
       </dsp:txBody>
       <dsp:txXfrm>
-        <a:off x="2148067" y="391495"/>
-        <a:ext cx="1255513" cy="608815"/>
+        <a:off x="2609330" y="513746"/>
+        <a:ext cx="1641668" cy="796067"/>
       </dsp:txXfrm>
     </dsp:sp>
     <dsp:sp modelId="{AE6391FF-F9C8-459E-9468-5A3D6D6C3983}">
@@ -3947,8 +4051,8 @@
       </dsp:nvSpPr>
       <dsp:spPr>
         <a:xfrm rot="19457599">
-          <a:off x="3362636" y="489762"/>
-          <a:ext cx="637128" cy="40429"/>
+          <a:off x="4197462" y="648475"/>
+          <a:ext cx="833088" cy="40390"/>
         </a:xfrm>
         <a:custGeom>
           <a:avLst/>
@@ -3959,10 +4063,10 @@
           <a:pathLst>
             <a:path>
               <a:moveTo>
-                <a:pt x="0" y="20214"/>
+                <a:pt x="0" y="20195"/>
               </a:moveTo>
               <a:lnTo>
-                <a:pt x="637128" y="20214"/>
+                <a:pt x="833088" y="20195"/>
               </a:lnTo>
             </a:path>
           </a:pathLst>
@@ -4001,7 +4105,7 @@
         </a:bodyPr>
         <a:lstStyle/>
         <a:p>
-          <a:pPr marL="0" lvl="0" indent="0" algn="ctr" defTabSz="222250">
+          <a:pPr marL="0" lvl="0" indent="0" algn="ctr" defTabSz="311150">
             <a:lnSpc>
               <a:spcPct val="90000"/>
             </a:lnSpc>
@@ -4013,15 +4117,16 @@
             </a:spcAft>
             <a:buNone/>
           </a:pPr>
-          <a:endParaRPr lang="zh-CN" altLang="en-US" sz="500" kern="1200">
-            <a:latin typeface="微软雅黑" panose="020B0503020204020204" pitchFamily="34" charset="-122"/>
+          <a:endParaRPr lang="zh-CN" altLang="en-US" sz="700" kern="1200">
+            <a:latin typeface="Arial" panose="020B0604020202020204" pitchFamily="34" charset="0"/>
             <a:ea typeface="微软雅黑" panose="020B0503020204020204" pitchFamily="34" charset="-122"/>
+            <a:cs typeface="Arial" panose="020B0604020202020204" pitchFamily="34" charset="0"/>
           </a:endParaRPr>
         </a:p>
       </dsp:txBody>
       <dsp:txXfrm>
-        <a:off x="3665272" y="494049"/>
-        <a:ext cx="31856" cy="31856"/>
+        <a:off x="4593179" y="647842"/>
+        <a:ext cx="41654" cy="41654"/>
       </dsp:txXfrm>
     </dsp:sp>
     <dsp:sp modelId="{FD4E23DE-355D-4481-B546-B39C9273EC0C}">
@@ -4031,8 +4136,8 @@
       </dsp:nvSpPr>
       <dsp:spPr>
         <a:xfrm>
-          <a:off x="3939880" y="702"/>
-          <a:ext cx="1293395" cy="646697"/>
+          <a:off x="4952247" y="2759"/>
+          <a:ext cx="1691202" cy="845601"/>
         </a:xfrm>
         <a:prstGeom prst="roundRect">
           <a:avLst>
@@ -4076,12 +4181,12 @@
         </a:fontRef>
       </dsp:style>
       <dsp:txBody>
-        <a:bodyPr spcFirstLastPara="0" vert="horz" wrap="square" lIns="7620" tIns="7620" rIns="7620" bIns="7620" numCol="1" spcCol="1270" anchor="ctr" anchorCtr="0">
+        <a:bodyPr spcFirstLastPara="0" vert="horz" wrap="square" lIns="10160" tIns="10160" rIns="10160" bIns="10160" numCol="1" spcCol="1270" anchor="ctr" anchorCtr="0">
           <a:noAutofit/>
         </a:bodyPr>
         <a:lstStyle/>
         <a:p>
-          <a:pPr marL="0" lvl="0" indent="0" algn="ctr" defTabSz="533400">
+          <a:pPr marL="0" lvl="0" indent="0" algn="ctr" defTabSz="711200">
             <a:lnSpc>
               <a:spcPct val="90000"/>
             </a:lnSpc>
@@ -4094,22 +4199,23 @@
             <a:buNone/>
           </a:pPr>
           <a:r>
-            <a:rPr lang="zh-CN" altLang="en-US" sz="1200" b="0" u="none" kern="1200" dirty="0">
-              <a:latin typeface="微软雅黑" panose="020B0503020204020204" pitchFamily="34" charset="-122"/>
+            <a:rPr lang="en-US" altLang="zh-CN" sz="1600" b="0" u="none" kern="1200" dirty="0">
+              <a:latin typeface="Arial" panose="020B0604020202020204" pitchFamily="34" charset="0"/>
               <a:ea typeface="微软雅黑" panose="020B0503020204020204" pitchFamily="34" charset="-122"/>
-              <a:cs typeface="仿宋_GB2312" charset="0"/>
+              <a:cs typeface="Arial" panose="020B0604020202020204" pitchFamily="34" charset="0"/>
             </a:rPr>
-            <a:t>重点为欧美和日韩</a:t>
+            <a:t>Priority: Europe\North America\JP\KR</a:t>
           </a:r>
-          <a:endParaRPr lang="zh-CN" altLang="en-US" sz="1200" kern="1200" dirty="0">
-            <a:latin typeface="微软雅黑" panose="020B0503020204020204" pitchFamily="34" charset="-122"/>
+          <a:endParaRPr lang="zh-CN" altLang="en-US" sz="1600" kern="1200" dirty="0">
+            <a:latin typeface="Arial" panose="020B0604020202020204" pitchFamily="34" charset="0"/>
             <a:ea typeface="微软雅黑" panose="020B0503020204020204" pitchFamily="34" charset="-122"/>
+            <a:cs typeface="Arial" panose="020B0604020202020204" pitchFamily="34" charset="0"/>
           </a:endParaRPr>
         </a:p>
       </dsp:txBody>
       <dsp:txXfrm>
-        <a:off x="3958821" y="19643"/>
-        <a:ext cx="1255513" cy="608815"/>
+        <a:off x="4977014" y="27526"/>
+        <a:ext cx="1641668" cy="796067"/>
       </dsp:txXfrm>
     </dsp:sp>
     <dsp:sp modelId="{CA8BBF69-0F0E-4BAC-8327-38D1B9013E13}">
@@ -4119,8 +4225,8 @@
       </dsp:nvSpPr>
       <dsp:spPr>
         <a:xfrm rot="2142401">
-          <a:off x="3362636" y="861613"/>
-          <a:ext cx="637128" cy="40429"/>
+          <a:off x="4197462" y="1134695"/>
+          <a:ext cx="833088" cy="40390"/>
         </a:xfrm>
         <a:custGeom>
           <a:avLst/>
@@ -4131,10 +4237,10 @@
           <a:pathLst>
             <a:path>
               <a:moveTo>
-                <a:pt x="0" y="20214"/>
+                <a:pt x="0" y="20195"/>
               </a:moveTo>
               <a:lnTo>
-                <a:pt x="637128" y="20214"/>
+                <a:pt x="833088" y="20195"/>
               </a:lnTo>
             </a:path>
           </a:pathLst>
@@ -4173,7 +4279,7 @@
         </a:bodyPr>
         <a:lstStyle/>
         <a:p>
-          <a:pPr marL="0" lvl="0" indent="0" algn="ctr" defTabSz="222250">
+          <a:pPr marL="0" lvl="0" indent="0" algn="ctr" defTabSz="311150">
             <a:lnSpc>
               <a:spcPct val="90000"/>
             </a:lnSpc>
@@ -4185,15 +4291,16 @@
             </a:spcAft>
             <a:buNone/>
           </a:pPr>
-          <a:endParaRPr lang="zh-CN" altLang="en-US" sz="500" kern="1200">
-            <a:latin typeface="微软雅黑" panose="020B0503020204020204" pitchFamily="34" charset="-122"/>
+          <a:endParaRPr lang="zh-CN" altLang="en-US" sz="700" kern="1200">
+            <a:latin typeface="Arial" panose="020B0604020202020204" pitchFamily="34" charset="0"/>
             <a:ea typeface="微软雅黑" panose="020B0503020204020204" pitchFamily="34" charset="-122"/>
+            <a:cs typeface="Arial" panose="020B0604020202020204" pitchFamily="34" charset="0"/>
           </a:endParaRPr>
         </a:p>
       </dsp:txBody>
       <dsp:txXfrm>
-        <a:off x="3665272" y="865900"/>
-        <a:ext cx="31856" cy="31856"/>
+        <a:off x="4593179" y="1134063"/>
+        <a:ext cx="41654" cy="41654"/>
       </dsp:txXfrm>
     </dsp:sp>
     <dsp:sp modelId="{2C2E357A-3519-41DD-B6A9-FD34025129CE}">
@@ -4203,8 +4310,8 @@
       </dsp:nvSpPr>
       <dsp:spPr>
         <a:xfrm>
-          <a:off x="3939880" y="744405"/>
-          <a:ext cx="1293395" cy="646697"/>
+          <a:off x="4952247" y="975200"/>
+          <a:ext cx="1691202" cy="845601"/>
         </a:xfrm>
         <a:prstGeom prst="roundRect">
           <a:avLst>
@@ -4248,12 +4355,12 @@
         </a:fontRef>
       </dsp:style>
       <dsp:txBody>
-        <a:bodyPr spcFirstLastPara="0" vert="horz" wrap="square" lIns="7620" tIns="7620" rIns="7620" bIns="7620" numCol="1" spcCol="1270" anchor="ctr" anchorCtr="0">
+        <a:bodyPr spcFirstLastPara="0" vert="horz" wrap="square" lIns="10160" tIns="10160" rIns="10160" bIns="10160" numCol="1" spcCol="1270" anchor="ctr" anchorCtr="0">
           <a:noAutofit/>
         </a:bodyPr>
         <a:lstStyle/>
         <a:p>
-          <a:pPr marL="0" lvl="0" indent="0" algn="ctr" defTabSz="533400">
+          <a:pPr marL="0" lvl="0" indent="0" algn="ctr" defTabSz="711200">
             <a:lnSpc>
               <a:spcPct val="90000"/>
             </a:lnSpc>
@@ -4266,22 +4373,23 @@
             <a:buNone/>
           </a:pPr>
           <a:r>
-            <a:rPr lang="zh-CN" altLang="en-US" sz="1200" b="0" u="none" kern="1200" dirty="0">
-              <a:latin typeface="微软雅黑" panose="020B0503020204020204" pitchFamily="34" charset="-122"/>
+            <a:rPr lang="en-US" altLang="zh-CN" sz="1600" b="0" u="none" kern="1200" dirty="0">
+              <a:latin typeface="Arial" panose="020B0604020202020204" pitchFamily="34" charset="0"/>
               <a:ea typeface="微软雅黑" panose="020B0503020204020204" pitchFamily="34" charset="-122"/>
-              <a:cs typeface="仿宋_GB2312" charset="0"/>
+              <a:cs typeface="Arial" panose="020B0604020202020204" pitchFamily="34" charset="0"/>
             </a:rPr>
-            <a:t>兼顾大洋洲、非洲、中东、中西亚</a:t>
+            <a:t>Supplementary: Oceania\Africa\Middle East\Middle &amp; West Asia</a:t>
           </a:r>
-          <a:endParaRPr lang="zh-CN" altLang="en-US" sz="1200" kern="1200" dirty="0">
-            <a:latin typeface="微软雅黑" panose="020B0503020204020204" pitchFamily="34" charset="-122"/>
+          <a:endParaRPr lang="zh-CN" altLang="en-US" sz="1600" kern="1200" dirty="0">
+            <a:latin typeface="Arial" panose="020B0604020202020204" pitchFamily="34" charset="0"/>
             <a:ea typeface="微软雅黑" panose="020B0503020204020204" pitchFamily="34" charset="-122"/>
+            <a:cs typeface="Arial" panose="020B0604020202020204" pitchFamily="34" charset="0"/>
           </a:endParaRPr>
         </a:p>
       </dsp:txBody>
       <dsp:txXfrm>
-        <a:off x="3958821" y="763346"/>
-        <a:ext cx="1255513" cy="608815"/>
+        <a:off x="4977014" y="999967"/>
+        <a:ext cx="1641668" cy="796067"/>
       </dsp:txXfrm>
     </dsp:sp>
     <dsp:sp modelId="{63A91F5E-6E7E-42DD-9F7F-AB488472170B}">
@@ -4291,8 +4399,8 @@
       </dsp:nvSpPr>
       <dsp:spPr>
         <a:xfrm rot="3310531">
-          <a:off x="1417470" y="1791241"/>
-          <a:ext cx="905954" cy="40429"/>
+          <a:off x="1654024" y="2350247"/>
+          <a:ext cx="1184596" cy="40390"/>
         </a:xfrm>
         <a:custGeom>
           <a:avLst/>
@@ -4303,10 +4411,10 @@
           <a:pathLst>
             <a:path>
               <a:moveTo>
-                <a:pt x="0" y="20214"/>
+                <a:pt x="0" y="20195"/>
               </a:moveTo>
               <a:lnTo>
-                <a:pt x="905954" y="20214"/>
+                <a:pt x="1184596" y="20195"/>
               </a:lnTo>
             </a:path>
           </a:pathLst>
@@ -4345,7 +4453,7 @@
         </a:bodyPr>
         <a:lstStyle/>
         <a:p>
-          <a:pPr marL="0" lvl="0" indent="0" algn="ctr" defTabSz="222250">
+          <a:pPr marL="0" lvl="0" indent="0" algn="ctr" defTabSz="311150">
             <a:lnSpc>
               <a:spcPct val="90000"/>
             </a:lnSpc>
@@ -4357,15 +4465,16 @@
             </a:spcAft>
             <a:buNone/>
           </a:pPr>
-          <a:endParaRPr lang="zh-CN" altLang="en-US" sz="500" kern="1200">
-            <a:latin typeface="微软雅黑" panose="020B0503020204020204" pitchFamily="34" charset="-122"/>
+          <a:endParaRPr lang="zh-CN" altLang="en-US" sz="700" kern="1200">
+            <a:latin typeface="Arial" panose="020B0604020202020204" pitchFamily="34" charset="0"/>
             <a:ea typeface="微软雅黑" panose="020B0503020204020204" pitchFamily="34" charset="-122"/>
+            <a:cs typeface="Arial" panose="020B0604020202020204" pitchFamily="34" charset="0"/>
           </a:endParaRPr>
         </a:p>
       </dsp:txBody>
       <dsp:txXfrm>
-        <a:off x="1847798" y="1788807"/>
-        <a:ext cx="45297" cy="45297"/>
+        <a:off x="2216708" y="2340827"/>
+        <a:ext cx="59229" cy="59229"/>
       </dsp:txXfrm>
     </dsp:sp>
     <dsp:sp modelId="{77FD7C00-ADA1-45E3-A96D-121D9D25004E}">
@@ -4375,8 +4484,8 @@
       </dsp:nvSpPr>
       <dsp:spPr>
         <a:xfrm>
-          <a:off x="2129126" y="1859959"/>
-          <a:ext cx="1293395" cy="646697"/>
+          <a:off x="2584563" y="2433862"/>
+          <a:ext cx="1691202" cy="845601"/>
         </a:xfrm>
         <a:prstGeom prst="roundRect">
           <a:avLst>
@@ -4420,12 +4529,12 @@
         </a:fontRef>
       </dsp:style>
       <dsp:txBody>
-        <a:bodyPr spcFirstLastPara="0" vert="horz" wrap="square" lIns="7620" tIns="7620" rIns="7620" bIns="7620" numCol="1" spcCol="1270" anchor="ctr" anchorCtr="0">
+        <a:bodyPr spcFirstLastPara="0" vert="horz" wrap="square" lIns="10160" tIns="10160" rIns="10160" bIns="10160" numCol="1" spcCol="1270" anchor="ctr" anchorCtr="0">
           <a:noAutofit/>
         </a:bodyPr>
         <a:lstStyle/>
         <a:p>
-          <a:pPr marL="0" lvl="0" indent="0" algn="ctr" defTabSz="533400">
+          <a:pPr marL="0" lvl="0" indent="0" algn="ctr" defTabSz="711200">
             <a:lnSpc>
               <a:spcPct val="90000"/>
             </a:lnSpc>
@@ -4438,17 +4547,23 @@
             <a:buNone/>
           </a:pPr>
           <a:r>
-            <a:rPr lang="zh-CN" altLang="en-US" sz="1200" kern="1200" dirty="0">
-              <a:latin typeface="微软雅黑" panose="020B0503020204020204" pitchFamily="34" charset="-122"/>
+            <a:rPr lang="en-US" altLang="zh-CN" sz="1600" kern="1200" dirty="0">
+              <a:latin typeface="Arial" panose="020B0604020202020204" pitchFamily="34" charset="0"/>
               <a:ea typeface="微软雅黑" panose="020B0503020204020204" pitchFamily="34" charset="-122"/>
+              <a:cs typeface="Arial" panose="020B0604020202020204" pitchFamily="34" charset="0"/>
             </a:rPr>
-            <a:t>国内</a:t>
+            <a:t>Domestic</a:t>
           </a:r>
+          <a:endParaRPr lang="zh-CN" altLang="en-US" sz="1600" kern="1200" dirty="0">
+            <a:latin typeface="Arial" panose="020B0604020202020204" pitchFamily="34" charset="0"/>
+            <a:ea typeface="微软雅黑" panose="020B0503020204020204" pitchFamily="34" charset="-122"/>
+            <a:cs typeface="Arial" panose="020B0604020202020204" pitchFamily="34" charset="0"/>
+          </a:endParaRPr>
         </a:p>
       </dsp:txBody>
       <dsp:txXfrm>
-        <a:off x="2148067" y="1878900"/>
-        <a:ext cx="1255513" cy="608815"/>
+        <a:off x="2609330" y="2458629"/>
+        <a:ext cx="1641668" cy="796067"/>
       </dsp:txXfrm>
     </dsp:sp>
     <dsp:sp modelId="{7A8FF7F4-39FF-40FC-8826-D7E1ED01B882}">
@@ -4458,8 +4573,8 @@
       </dsp:nvSpPr>
       <dsp:spPr>
         <a:xfrm rot="19457599">
-          <a:off x="3362636" y="1977167"/>
-          <a:ext cx="637128" cy="40429"/>
+          <a:off x="4197462" y="2593357"/>
+          <a:ext cx="833088" cy="40390"/>
         </a:xfrm>
         <a:custGeom>
           <a:avLst/>
@@ -4470,10 +4585,10 @@
           <a:pathLst>
             <a:path>
               <a:moveTo>
-                <a:pt x="0" y="20214"/>
+                <a:pt x="0" y="20195"/>
               </a:moveTo>
               <a:lnTo>
-                <a:pt x="637128" y="20214"/>
+                <a:pt x="833088" y="20195"/>
               </a:lnTo>
             </a:path>
           </a:pathLst>
@@ -4512,7 +4627,7 @@
         </a:bodyPr>
         <a:lstStyle/>
         <a:p>
-          <a:pPr marL="0" lvl="0" indent="0" algn="ctr" defTabSz="222250">
+          <a:pPr marL="0" lvl="0" indent="0" algn="ctr" defTabSz="311150">
             <a:lnSpc>
               <a:spcPct val="90000"/>
             </a:lnSpc>
@@ -4524,15 +4639,16 @@
             </a:spcAft>
             <a:buNone/>
           </a:pPr>
-          <a:endParaRPr lang="zh-CN" altLang="en-US" sz="500" kern="1200">
-            <a:latin typeface="微软雅黑" panose="020B0503020204020204" pitchFamily="34" charset="-122"/>
+          <a:endParaRPr lang="zh-CN" altLang="en-US" sz="700" kern="1200">
+            <a:latin typeface="Arial" panose="020B0604020202020204" pitchFamily="34" charset="0"/>
             <a:ea typeface="微软雅黑" panose="020B0503020204020204" pitchFamily="34" charset="-122"/>
+            <a:cs typeface="Arial" panose="020B0604020202020204" pitchFamily="34" charset="0"/>
           </a:endParaRPr>
         </a:p>
       </dsp:txBody>
       <dsp:txXfrm>
-        <a:off x="3665272" y="1981454"/>
-        <a:ext cx="31856" cy="31856"/>
+        <a:off x="4593179" y="2592725"/>
+        <a:ext cx="41654" cy="41654"/>
       </dsp:txXfrm>
     </dsp:sp>
     <dsp:sp modelId="{8A360288-FA70-4EA3-8953-200A9A6F5870}">
@@ -4542,8 +4658,8 @@
       </dsp:nvSpPr>
       <dsp:spPr>
         <a:xfrm>
-          <a:off x="3939880" y="1488107"/>
-          <a:ext cx="1293395" cy="646697"/>
+          <a:off x="4952247" y="1947642"/>
+          <a:ext cx="1691202" cy="845601"/>
         </a:xfrm>
         <a:prstGeom prst="roundRect">
           <a:avLst>
@@ -4587,12 +4703,12 @@
         </a:fontRef>
       </dsp:style>
       <dsp:txBody>
-        <a:bodyPr spcFirstLastPara="0" vert="horz" wrap="square" lIns="7620" tIns="7620" rIns="7620" bIns="7620" numCol="1" spcCol="1270" anchor="ctr" anchorCtr="0">
+        <a:bodyPr spcFirstLastPara="0" vert="horz" wrap="square" lIns="10160" tIns="10160" rIns="10160" bIns="10160" numCol="1" spcCol="1270" anchor="ctr" anchorCtr="0">
           <a:noAutofit/>
         </a:bodyPr>
         <a:lstStyle/>
         <a:p>
-          <a:pPr marL="0" lvl="0" indent="0" algn="ctr" defTabSz="533400">
+          <a:pPr marL="0" lvl="0" indent="0" algn="ctr" defTabSz="711200">
             <a:lnSpc>
               <a:spcPct val="90000"/>
             </a:lnSpc>
@@ -4605,22 +4721,23 @@
             <a:buNone/>
           </a:pPr>
           <a:r>
-            <a:rPr lang="zh-CN" altLang="en-US" sz="1200" b="0" u="none" kern="1200" dirty="0">
-              <a:latin typeface="微软雅黑" panose="020B0503020204020204" pitchFamily="34" charset="-122"/>
+            <a:rPr lang="en-US" altLang="zh-CN" sz="1600" b="0" u="none" kern="1200" dirty="0">
+              <a:latin typeface="Arial" panose="020B0604020202020204" pitchFamily="34" charset="0"/>
               <a:ea typeface="微软雅黑" panose="020B0503020204020204" pitchFamily="34" charset="-122"/>
-              <a:cs typeface="仿宋_GB2312" charset="0"/>
+              <a:cs typeface="Arial" panose="020B0604020202020204" pitchFamily="34" charset="0"/>
             </a:rPr>
-            <a:t>增加航班频率</a:t>
+            <a:t>Increase frequency</a:t>
           </a:r>
-          <a:endParaRPr lang="zh-CN" altLang="en-US" sz="1200" kern="1200" dirty="0">
-            <a:latin typeface="微软雅黑" panose="020B0503020204020204" pitchFamily="34" charset="-122"/>
+          <a:endParaRPr lang="zh-CN" altLang="en-US" sz="1600" kern="1200" dirty="0">
+            <a:latin typeface="Arial" panose="020B0604020202020204" pitchFamily="34" charset="0"/>
             <a:ea typeface="微软雅黑" panose="020B0503020204020204" pitchFamily="34" charset="-122"/>
+            <a:cs typeface="Arial" panose="020B0604020202020204" pitchFamily="34" charset="0"/>
           </a:endParaRPr>
         </a:p>
       </dsp:txBody>
       <dsp:txXfrm>
-        <a:off x="3958821" y="1507048"/>
-        <a:ext cx="1255513" cy="608815"/>
+        <a:off x="4977014" y="1972409"/>
+        <a:ext cx="1641668" cy="796067"/>
       </dsp:txXfrm>
     </dsp:sp>
     <dsp:sp modelId="{AD22FDA7-0D23-443A-A171-D7EAABAB5BC0}">
@@ -4630,8 +4747,8 @@
       </dsp:nvSpPr>
       <dsp:spPr>
         <a:xfrm rot="2142401">
-          <a:off x="3362636" y="2349018"/>
-          <a:ext cx="637128" cy="40429"/>
+          <a:off x="4197462" y="3079578"/>
+          <a:ext cx="833088" cy="40390"/>
         </a:xfrm>
         <a:custGeom>
           <a:avLst/>
@@ -4642,10 +4759,10 @@
           <a:pathLst>
             <a:path>
               <a:moveTo>
-                <a:pt x="0" y="20214"/>
+                <a:pt x="0" y="20195"/>
               </a:moveTo>
               <a:lnTo>
-                <a:pt x="637128" y="20214"/>
+                <a:pt x="833088" y="20195"/>
               </a:lnTo>
             </a:path>
           </a:pathLst>
@@ -4684,7 +4801,7 @@
         </a:bodyPr>
         <a:lstStyle/>
         <a:p>
-          <a:pPr marL="0" lvl="0" indent="0" algn="ctr" defTabSz="222250">
+          <a:pPr marL="0" lvl="0" indent="0" algn="ctr" defTabSz="311150">
             <a:lnSpc>
               <a:spcPct val="90000"/>
             </a:lnSpc>
@@ -4696,15 +4813,16 @@
             </a:spcAft>
             <a:buNone/>
           </a:pPr>
-          <a:endParaRPr lang="zh-CN" altLang="en-US" sz="500" kern="1200">
-            <a:latin typeface="微软雅黑" panose="020B0503020204020204" pitchFamily="34" charset="-122"/>
+          <a:endParaRPr lang="zh-CN" altLang="en-US" sz="700" kern="1200">
+            <a:latin typeface="Arial" panose="020B0604020202020204" pitchFamily="34" charset="0"/>
             <a:ea typeface="微软雅黑" panose="020B0503020204020204" pitchFamily="34" charset="-122"/>
+            <a:cs typeface="Arial" panose="020B0604020202020204" pitchFamily="34" charset="0"/>
           </a:endParaRPr>
         </a:p>
       </dsp:txBody>
       <dsp:txXfrm>
-        <a:off x="3665272" y="2353305"/>
-        <a:ext cx="31856" cy="31856"/>
+        <a:off x="4593179" y="3078946"/>
+        <a:ext cx="41654" cy="41654"/>
       </dsp:txXfrm>
     </dsp:sp>
     <dsp:sp modelId="{C0D678DA-DEC9-42F0-B102-884855A840FE}">
@@ -4714,8 +4832,8 @@
       </dsp:nvSpPr>
       <dsp:spPr>
         <a:xfrm>
-          <a:off x="3939880" y="2231810"/>
-          <a:ext cx="1293395" cy="646697"/>
+          <a:off x="4952247" y="2920083"/>
+          <a:ext cx="1691202" cy="845601"/>
         </a:xfrm>
         <a:prstGeom prst="roundRect">
           <a:avLst>
@@ -4759,12 +4877,12 @@
         </a:fontRef>
       </dsp:style>
       <dsp:txBody>
-        <a:bodyPr spcFirstLastPara="0" vert="horz" wrap="square" lIns="7620" tIns="7620" rIns="7620" bIns="7620" numCol="1" spcCol="1270" anchor="ctr" anchorCtr="0">
+        <a:bodyPr spcFirstLastPara="0" vert="horz" wrap="square" lIns="10160" tIns="10160" rIns="10160" bIns="10160" numCol="1" spcCol="1270" anchor="ctr" anchorCtr="0">
           <a:noAutofit/>
         </a:bodyPr>
         <a:lstStyle/>
         <a:p>
-          <a:pPr marL="0" lvl="0" indent="0" algn="ctr" defTabSz="533400">
+          <a:pPr marL="0" lvl="0" indent="0" algn="ctr" defTabSz="711200">
             <a:lnSpc>
               <a:spcPct val="90000"/>
             </a:lnSpc>
@@ -4777,18 +4895,23 @@
             <a:buNone/>
           </a:pPr>
           <a:r>
-            <a:rPr lang="zh-CN" altLang="en-US" sz="1200" b="0" u="none" kern="1200" dirty="0">
-              <a:latin typeface="微软雅黑" panose="020B0503020204020204" pitchFamily="34" charset="-122"/>
+            <a:rPr lang="en-US" altLang="zh-CN" sz="1600" b="0" u="none" kern="1200" dirty="0">
+              <a:latin typeface="Arial" panose="020B0604020202020204" pitchFamily="34" charset="0"/>
               <a:ea typeface="微软雅黑" panose="020B0503020204020204" pitchFamily="34" charset="-122"/>
-              <a:cs typeface="仿宋_GB2312" charset="0"/>
+              <a:cs typeface="Arial" panose="020B0604020202020204" pitchFamily="34" charset="0"/>
             </a:rPr>
-            <a:t>增加覆盖面</a:t>
+            <a:t>Increase coverage</a:t>
           </a:r>
+          <a:endParaRPr lang="zh-CN" altLang="en-US" sz="1600" b="0" u="none" kern="1200" dirty="0">
+            <a:latin typeface="Arial" panose="020B0604020202020204" pitchFamily="34" charset="0"/>
+            <a:ea typeface="微软雅黑" panose="020B0503020204020204" pitchFamily="34" charset="-122"/>
+            <a:cs typeface="Arial" panose="020B0604020202020204" pitchFamily="34" charset="0"/>
+          </a:endParaRPr>
         </a:p>
       </dsp:txBody>
       <dsp:txXfrm>
-        <a:off x="3958821" y="2250751"/>
-        <a:ext cx="1255513" cy="608815"/>
+        <a:off x="4977014" y="2944850"/>
+        <a:ext cx="1641668" cy="796067"/>
       </dsp:txXfrm>
     </dsp:sp>
   </dsp:spTree>
@@ -11938,8 +12061,8 @@
           <p:nvPr/>
         </p:nvGraphicFramePr>
         <p:xfrm>
-          <a:off x="1215390" y="1301750"/>
-          <a:ext cx="6609715" cy="2013585"/>
+          <a:off x="569595" y="1301750"/>
+          <a:ext cx="7604125" cy="2013585"/>
         </p:xfrm>
         <a:graphic>
           <a:graphicData uri="http://schemas.openxmlformats.org/drawingml/2006/table">
@@ -11948,14 +12071,14 @@
                 <a:tableStyleId>{5940675A-B579-460E-94D1-54222C63F5DA}</a:tableStyleId>
               </a:tblPr>
               <a:tblGrid>
-                <a:gridCol w="1394460"/>
-                <a:gridCol w="723614"/>
+                <a:gridCol w="1657350"/>
+                <a:gridCol w="1106519"/>
                 <a:gridCol w="677894"/>
                 <a:gridCol w="640045"/>
                 <a:gridCol w="623662"/>
                 <a:gridCol w="595417"/>
                 <a:gridCol w="953770"/>
-                <a:gridCol w="1000760"/>
+                <a:gridCol w="1349375"/>
               </a:tblGrid>
               <a:tr h="578485">
                 <a:tc>
@@ -12009,13 +12132,6 @@
                         </a:rPr>
                         <a:t>2015</a:t>
                       </a:r>
-                      <a:r>
-                        <a:rPr lang="zh-CN" altLang="en-US" sz="1400" u="none">
-                          <a:latin typeface="微软雅黑" charset="0"/>
-                          <a:ea typeface="微软雅黑" charset="0"/>
-                        </a:rPr>
-                        <a:t>年</a:t>
-                      </a:r>
                       <a:endParaRPr lang="zh-CN" altLang="en-US" sz="1400" u="none">
                         <a:latin typeface="微软雅黑" charset="0"/>
                         <a:ea typeface="微软雅黑" charset="0"/>
@@ -12037,13 +12153,6 @@
                           <a:ea typeface="微软雅黑" charset="0"/>
                         </a:rPr>
                         <a:t>2019</a:t>
-                      </a:r>
-                      <a:r>
-                        <a:rPr lang="zh-CN" altLang="en-US" sz="1400" u="none">
-                          <a:latin typeface="微软雅黑" charset="0"/>
-                          <a:ea typeface="微软雅黑" charset="0"/>
-                        </a:rPr>
-                        <a:t>年</a:t>
                       </a:r>
                       <a:endParaRPr lang="zh-CN" altLang="en-US" sz="1400" u="none">
                         <a:latin typeface="微软雅黑" charset="0"/>
@@ -12067,13 +12176,6 @@
                         </a:rPr>
                         <a:t>2020</a:t>
                       </a:r>
-                      <a:r>
-                        <a:rPr lang="zh-CN" altLang="en-US" sz="1400" u="none">
-                          <a:latin typeface="微软雅黑" charset="0"/>
-                          <a:ea typeface="微软雅黑" charset="0"/>
-                        </a:rPr>
-                        <a:t>年</a:t>
-                      </a:r>
                       <a:endParaRPr lang="zh-CN" altLang="en-US" sz="1400" u="none">
                         <a:latin typeface="微软雅黑" charset="0"/>
                         <a:ea typeface="微软雅黑" charset="0"/>
@@ -12096,13 +12198,6 @@
                         </a:rPr>
                         <a:t>2025</a:t>
                       </a:r>
-                      <a:r>
-                        <a:rPr lang="zh-CN" altLang="en-US" sz="1400" u="none">
-                          <a:latin typeface="微软雅黑" charset="0"/>
-                          <a:ea typeface="微软雅黑" charset="0"/>
-                        </a:rPr>
-                        <a:t>年</a:t>
-                      </a:r>
                       <a:endParaRPr lang="zh-CN" altLang="en-US" sz="1400" u="none">
                         <a:latin typeface="微软雅黑" charset="0"/>
                         <a:ea typeface="微软雅黑" charset="0"/>
@@ -12123,16 +12218,9 @@
                           <a:latin typeface="微软雅黑" charset="0"/>
                           <a:ea typeface="微软雅黑" charset="0"/>
                         </a:rPr>
-                        <a:t>2019-2020</a:t>
+                        <a:t>2019-2020 growth</a:t>
                       </a:r>
-                      <a:r>
-                        <a:rPr lang="zh-CN" altLang="en-US" sz="1400" u="none">
-                          <a:latin typeface="微软雅黑" charset="0"/>
-                          <a:ea typeface="微软雅黑" charset="0"/>
-                        </a:rPr>
-                        <a:t>增长率</a:t>
-                      </a:r>
-                      <a:endParaRPr lang="zh-CN" altLang="en-US" sz="1400" u="none">
+                      <a:endParaRPr lang="en-US" altLang="zh-CN" sz="1400" u="none">
                         <a:latin typeface="微软雅黑" charset="0"/>
                         <a:ea typeface="微软雅黑" charset="0"/>
                       </a:endParaRPr>
@@ -12152,16 +12240,9 @@
                           <a:latin typeface="微软雅黑" charset="0"/>
                           <a:ea typeface="微软雅黑" charset="0"/>
                         </a:rPr>
-                        <a:t>2020-2025</a:t>
+                        <a:t>2020-2025 average grwth</a:t>
                       </a:r>
-                      <a:r>
-                        <a:rPr lang="zh-CN" altLang="en-US" sz="1400" u="none">
-                          <a:latin typeface="微软雅黑" charset="0"/>
-                          <a:ea typeface="微软雅黑" charset="0"/>
-                        </a:rPr>
-                        <a:t>年均增长</a:t>
-                      </a:r>
-                      <a:endParaRPr lang="zh-CN" altLang="en-US" sz="1400" u="none">
+                      <a:endParaRPr lang="en-US" altLang="zh-CN" sz="1400" u="none">
                         <a:latin typeface="微软雅黑" charset="0"/>
                         <a:ea typeface="微软雅黑" charset="0"/>
                       </a:endParaRPr>
@@ -12179,13 +12260,13 @@
                         <a:buNone/>
                       </a:pPr>
                       <a:r>
-                        <a:rPr lang="zh-CN" altLang="en-US" sz="1400" u="none">
+                        <a:rPr lang="en-US" altLang="zh-CN" sz="1400" u="none">
                           <a:latin typeface="微软雅黑" charset="0"/>
                           <a:ea typeface="微软雅黑" charset="0"/>
                         </a:rPr>
-                        <a:t>南航在首都机场</a:t>
+                        <a:t>CZ in Capital</a:t>
                       </a:r>
-                      <a:endParaRPr lang="zh-CN" altLang="en-US" sz="1400" u="none">
+                      <a:endParaRPr lang="en-US" altLang="zh-CN" sz="1400" u="none">
                         <a:latin typeface="微软雅黑" charset="0"/>
                         <a:ea typeface="微软雅黑" charset="0"/>
                       </a:endParaRPr>
@@ -12201,13 +12282,13 @@
                         <a:buNone/>
                       </a:pPr>
                       <a:r>
-                        <a:rPr lang="zh-CN" altLang="en-US" sz="1400" u="none">
+                        <a:rPr lang="en-US" altLang="zh-CN" sz="1400" u="none">
                           <a:latin typeface="微软雅黑" charset="0"/>
                           <a:ea typeface="微软雅黑" charset="0"/>
                         </a:rPr>
-                        <a:t>吞吐量</a:t>
+                        <a:t>passengers</a:t>
                       </a:r>
-                      <a:endParaRPr lang="zh-CN" altLang="en-US" sz="1400" u="none">
+                      <a:endParaRPr lang="en-US" altLang="zh-CN" sz="1400" u="none">
                         <a:latin typeface="微软雅黑" charset="0"/>
                         <a:ea typeface="微软雅黑" charset="0"/>
                       </a:endParaRPr>
@@ -12393,13 +12474,13 @@
                         <a:buNone/>
                       </a:pPr>
                       <a:r>
-                        <a:rPr lang="zh-CN" altLang="en-US" sz="1400" u="none">
+                        <a:rPr lang="en-US" altLang="zh-CN" sz="1400" u="none">
                           <a:latin typeface="微软雅黑" charset="0"/>
                           <a:ea typeface="微软雅黑" charset="0"/>
                         </a:rPr>
-                        <a:t>南航在新机场</a:t>
+                        <a:t>CZ in New Beijing</a:t>
                       </a:r>
-                      <a:endParaRPr lang="zh-CN" altLang="en-US" sz="1400" u="none">
+                      <a:endParaRPr lang="en-US" altLang="zh-CN" sz="1400" u="none">
                         <a:latin typeface="微软雅黑" charset="0"/>
                         <a:ea typeface="微软雅黑" charset="0"/>
                       </a:endParaRPr>
@@ -12415,13 +12496,13 @@
                         <a:buNone/>
                       </a:pPr>
                       <a:r>
-                        <a:rPr lang="zh-CN" altLang="en-US" sz="1400" u="none">
+                        <a:rPr lang="en-US" altLang="zh-CN" sz="1400" u="none">
                           <a:latin typeface="微软雅黑" charset="0"/>
                           <a:ea typeface="微软雅黑" charset="0"/>
                         </a:rPr>
-                        <a:t>吞吐量</a:t>
+                        <a:t>passengers</a:t>
                       </a:r>
-                      <a:endParaRPr lang="zh-CN" altLang="en-US" sz="1400" u="none">
+                      <a:endParaRPr lang="en-US" altLang="zh-CN" sz="1400" u="none">
                         <a:latin typeface="微软雅黑" charset="0"/>
                         <a:ea typeface="微软雅黑" charset="0"/>
                       </a:endParaRPr>
@@ -12586,14 +12667,14 @@
                         <a:buNone/>
                       </a:pPr>
                       <a:r>
-                        <a:rPr lang="zh-CN" altLang="en-US" sz="1400" b="0" u="none">
+                        <a:rPr lang="en-US" altLang="zh-CN" sz="1400" b="0" u="none">
                           <a:latin typeface="微软雅黑" charset="0"/>
                           <a:ea typeface="微软雅黑" charset="0"/>
                           <a:cs typeface="Times New Roman" charset="0"/>
                         </a:rPr>
-                        <a:t>班次量</a:t>
+                        <a:t>flights</a:t>
                       </a:r>
-                      <a:endParaRPr lang="zh-CN" altLang="en-US" sz="1400" b="0" u="none">
+                      <a:endParaRPr lang="en-US" altLang="zh-CN" sz="1400" b="0" u="none">
                         <a:latin typeface="微软雅黑" charset="0"/>
                         <a:ea typeface="微软雅黑" charset="0"/>
                         <a:cs typeface="Times New Roman" charset="0"/>
@@ -12751,14 +12832,14 @@
                         <a:buNone/>
                       </a:pPr>
                       <a:r>
-                        <a:rPr lang="zh-CN" altLang="en-US" sz="1400" b="0" u="none">
+                        <a:rPr lang="en-US" altLang="zh-CN" sz="1400" b="0" u="none">
                           <a:latin typeface="微软雅黑" charset="0"/>
                           <a:ea typeface="微软雅黑" charset="0"/>
                           <a:cs typeface="Times New Roman" charset="0"/>
                         </a:rPr>
-                        <a:t>飞机架数</a:t>
+                        <a:t>aircraft</a:t>
                       </a:r>
-                      <a:endParaRPr lang="zh-CN" altLang="en-US" sz="1400" b="0" u="none">
+                      <a:endParaRPr lang="en-US" altLang="zh-CN" sz="1400" b="0" u="none">
                         <a:latin typeface="微软雅黑" charset="0"/>
                         <a:ea typeface="微软雅黑" charset="0"/>
                         <a:cs typeface="Times New Roman" charset="0"/>
@@ -12929,7 +13010,7 @@
                         <a:buNone/>
                       </a:pPr>
                       <a:r>
-                        <a:rPr lang="zh-CN" altLang="en-US" sz="1400" b="0" u="none">
+                        <a:rPr lang="en-US" altLang="zh-CN" sz="1400" b="0" u="none">
                           <a:solidFill>
                             <a:srgbClr val="000000"/>
                           </a:solidFill>
@@ -12937,9 +13018,9 @@
                           <a:ea typeface="微软雅黑" charset="0"/>
                           <a:cs typeface="宋体" charset="0"/>
                         </a:rPr>
-                        <a:t>南航合计</a:t>
+                        <a:t>CZ total</a:t>
                       </a:r>
-                      <a:endParaRPr lang="zh-CN" altLang="en-US" sz="1400" b="0" u="none">
+                      <a:endParaRPr lang="en-US" altLang="zh-CN" sz="1400" b="0" u="none">
                         <a:solidFill>
                           <a:srgbClr val="000000"/>
                         </a:solidFill>
@@ -12959,14 +13040,14 @@
                         <a:buNone/>
                       </a:pPr>
                       <a:r>
-                        <a:rPr lang="zh-CN" altLang="en-US" sz="1400" b="0" u="none">
+                        <a:rPr lang="en-US" altLang="zh-CN" sz="1400" b="0" u="none">
                           <a:latin typeface="微软雅黑" charset="0"/>
                           <a:ea typeface="微软雅黑" charset="0"/>
                           <a:cs typeface="Times New Roman" charset="0"/>
                         </a:rPr>
-                        <a:t>吞吐量</a:t>
+                        <a:t>passengers</a:t>
                       </a:r>
-                      <a:endParaRPr lang="zh-CN" altLang="en-US" sz="1400" b="0" u="none">
+                      <a:endParaRPr lang="en-US" altLang="zh-CN" sz="1400" b="0" u="none">
                         <a:latin typeface="微软雅黑" charset="0"/>
                         <a:ea typeface="微软雅黑" charset="0"/>
                         <a:cs typeface="Times New Roman" charset="0"/>
@@ -13608,7 +13689,7 @@
                 <a:cs typeface="仿宋_GB2312" charset="0"/>
                 <a:sym typeface="+mn-ea"/>
               </a:rPr>
-              <a:t>The new airport is set to complete in 2019, with 4 runways in the first phase.</a:t>
+              <a:t>The new Beijing airport is set to complete in 2019, with 4 runways in the first phase.</a:t>
             </a:r>
             <a:endParaRPr lang="en-US" sz="2000">
               <a:uFillTx/>
@@ -14088,7 +14169,7 @@
         </p:nvSpPr>
         <p:spPr>
           <a:xfrm>
-            <a:off x="612775" y="1035050"/>
+            <a:off x="629920" y="949960"/>
             <a:ext cx="7767320" cy="3123565"/>
           </a:xfrm>
           <a:prstGeom prst="rect">
@@ -14561,13 +14642,13 @@
       </p:sp>
       <p:graphicFrame>
         <p:nvGraphicFramePr>
-          <p:cNvPr id="5" name="图表 4"/>
+          <p:cNvPr id="4" name="图表 3"/>
           <p:cNvGraphicFramePr/>
           <p:nvPr/>
         </p:nvGraphicFramePr>
         <p:xfrm>
-          <a:off x="1388745" y="4114800"/>
-          <a:ext cx="4389755" cy="2644140"/>
+          <a:off x="1042353" y="4010660"/>
+          <a:ext cx="5153025" cy="2800350"/>
         </p:xfrm>
         <a:graphic>
           <a:graphicData uri="http://schemas.openxmlformats.org/drawingml/2006/chart">
@@ -15078,8 +15159,8 @@
         </p:nvSpPr>
         <p:spPr>
           <a:xfrm>
-            <a:off x="953770" y="1771015"/>
-            <a:ext cx="6915150" cy="384810"/>
+            <a:off x="391795" y="1856105"/>
+            <a:ext cx="7714615" cy="384810"/>
           </a:xfrm>
           <a:prstGeom prst="rect">
             <a:avLst/>
@@ -15094,27 +15175,29 @@
             <a:pPr algn="ctr"/>
             <a:r>
               <a:rPr lang="en-US" altLang="zh-CN" b="1">
-                <a:latin typeface="微软雅黑" charset="0"/>
+                <a:latin typeface="Arial" charset="0"/>
                 <a:ea typeface="微软雅黑" charset="0"/>
               </a:rPr>
               <a:t>YEAR</a:t>
             </a:r>
             <a:r>
               <a:rPr lang="zh-CN" altLang="en-US" b="1">
-                <a:latin typeface="微软雅黑" charset="0"/>
+                <a:latin typeface="Arial" charset="0"/>
                 <a:ea typeface="微软雅黑" charset="0"/>
               </a:rPr>
-              <a:t>： </a:t>
-            </a:r>
-            <a:r>
-              <a:rPr lang="zh-CN" altLang="en-US" b="1"/>
-              <a:t>  </a:t>
-            </a:r>
-            <a:r>
-              <a:rPr lang="en-US" altLang="zh-CN" b="1"/>
-              <a:t>2018     2019   2020   2021   2022   2023   2024         2025   </a:t>
-            </a:r>
-            <a:endParaRPr lang="en-US" altLang="zh-CN" b="1"/>
+              <a:t>：   </a:t>
+            </a:r>
+            <a:r>
+              <a:rPr lang="en-US" altLang="zh-CN" b="1">
+                <a:latin typeface="Arial" charset="0"/>
+                <a:ea typeface="微软雅黑" charset="0"/>
+              </a:rPr>
+              <a:t>2018   2019               2020  to  2024                2025   </a:t>
+            </a:r>
+            <a:endParaRPr lang="en-US" altLang="zh-CN" b="1">
+              <a:latin typeface="Arial" charset="0"/>
+              <a:ea typeface="微软雅黑" charset="0"/>
+            </a:endParaRPr>
           </a:p>
         </p:txBody>
       </p:sp>
@@ -15823,22 +15906,6 @@
           </a:p>
         </p:txBody>
       </p:sp>
-      <p:graphicFrame>
-        <p:nvGraphicFramePr>
-          <p:cNvPr id="10" name="图示 9"/>
-          <p:cNvGraphicFramePr/>
-          <p:nvPr/>
-        </p:nvGraphicFramePr>
-        <p:xfrm>
-          <a:off x="1583638" y="4093380"/>
-          <a:ext cx="6323435" cy="1922865"/>
-        </p:xfrm>
-        <a:graphic>
-          <a:graphicData uri="http://schemas.openxmlformats.org/drawingml/2006/diagram">
-            <dgm:relIds xmlns:dgm="http://schemas.openxmlformats.org/drawingml/2006/diagram" xmlns:r="http://schemas.openxmlformats.org/officeDocument/2006/relationships" r:dm="rId1" r:lo="rId2" r:qs="rId3" r:cs="rId4"/>
-          </a:graphicData>
-        </a:graphic>
-      </p:graphicFrame>
       <p:sp>
         <p:nvSpPr>
           <p:cNvPr id="11" name="文本框 10"/>
@@ -15861,18 +15928,11 @@
           </a:bodyPr>
           <a:p>
             <a:r>
-              <a:rPr lang="zh-CN" altLang="en-US">
-                <a:latin typeface="微软雅黑" charset="0"/>
-                <a:ea typeface="微软雅黑" charset="0"/>
-              </a:rPr>
-              <a:t>当前</a:t>
-            </a:r>
-            <a:r>
               <a:rPr lang="en-US" altLang="zh-CN">
                 <a:latin typeface="微软雅黑" charset="0"/>
                 <a:ea typeface="微软雅黑" charset="0"/>
               </a:rPr>
-              <a:t>-2019</a:t>
+              <a:t>now-2019</a:t>
             </a:r>
             <a:endParaRPr lang="en-US" altLang="zh-CN">
               <a:latin typeface="微软雅黑" charset="0"/>
@@ -15951,6 +16011,22 @@
           </a:p>
         </p:txBody>
       </p:sp>
+      <p:graphicFrame>
+        <p:nvGraphicFramePr>
+          <p:cNvPr id="4" name="图示 3"/>
+          <p:cNvGraphicFramePr/>
+          <p:nvPr/>
+        </p:nvGraphicFramePr>
+        <p:xfrm>
+          <a:off x="1562048" y="4217205"/>
+          <a:ext cx="6323435" cy="1922865"/>
+        </p:xfrm>
+        <a:graphic>
+          <a:graphicData uri="http://schemas.openxmlformats.org/drawingml/2006/diagram">
+            <dgm:relIds xmlns:dgm="http://schemas.openxmlformats.org/drawingml/2006/diagram" xmlns:r="http://schemas.openxmlformats.org/officeDocument/2006/relationships" r:dm="rId1" r:lo="rId2" r:qs="rId3" r:cs="rId4"/>
+          </a:graphicData>
+        </a:graphic>
+      </p:graphicFrame>
     </p:spTree>
   </p:cSld>
   <p:clrMapOvr>
@@ -16383,13 +16459,13 @@
       </p:sp>
       <p:graphicFrame>
         <p:nvGraphicFramePr>
-          <p:cNvPr id="4" name="图示 3"/>
+          <p:cNvPr id="3" name="图示 2"/>
           <p:cNvGraphicFramePr/>
           <p:nvPr/>
         </p:nvGraphicFramePr>
         <p:xfrm>
-          <a:off x="1757179" y="1579489"/>
-          <a:ext cx="5551648" cy="2879211"/>
+          <a:off x="1104609" y="1050773"/>
+          <a:ext cx="6860330" cy="3768444"/>
         </p:xfrm>
         <a:graphic>
           <a:graphicData uri="http://schemas.openxmlformats.org/drawingml/2006/diagram">
@@ -16793,7 +16869,7 @@
         </p:nvGraphicFramePr>
         <p:xfrm>
           <a:off x="1118870" y="1925320"/>
-          <a:ext cx="3619500" cy="2844800"/>
+          <a:ext cx="3619500" cy="4104640"/>
         </p:xfrm>
         <a:graphic>
           <a:graphicData uri="http://schemas.openxmlformats.org/drawingml/2006/table">
@@ -16802,8 +16878,8 @@
                 <a:tableStyleId>{B301B821-A1FF-4177-AEE7-76D212191A09}</a:tableStyleId>
               </a:tblPr>
               <a:tblGrid>
-                <a:gridCol w="1219835"/>
-                <a:gridCol w="2399665"/>
+                <a:gridCol w="1772920"/>
+                <a:gridCol w="1846580"/>
               </a:tblGrid>
               <a:tr h="256540">
                 <a:tc>
@@ -16814,13 +16890,13 @@
                         <a:buNone/>
                       </a:pPr>
                       <a:r>
-                        <a:rPr lang="zh-CN" altLang="en-US" sz="1600" u="none">
+                        <a:rPr lang="en-US" altLang="zh-CN" sz="1600" u="none">
                           <a:latin typeface="微软雅黑 Light" charset="0"/>
                           <a:ea typeface="微软雅黑 Light" charset="0"/>
                         </a:rPr>
-                        <a:t>区域</a:t>
+                        <a:t>Area</a:t>
                       </a:r>
-                      <a:endParaRPr lang="zh-CN" altLang="en-US" sz="1600" u="none">
+                      <a:endParaRPr lang="en-US" altLang="zh-CN" sz="1600" u="none">
                         <a:latin typeface="微软雅黑 Light" charset="0"/>
                         <a:ea typeface="微软雅黑 Light" charset="0"/>
                       </a:endParaRPr>
@@ -16836,11 +16912,57 @@
                         <a:buNone/>
                       </a:pPr>
                       <a:r>
-                        <a:rPr lang="zh-CN" altLang="en-US" sz="1600" u="none">
+                        <a:rPr lang="en-US" altLang="zh-CN" sz="1600" u="none">
                           <a:latin typeface="微软雅黑 Light" charset="0"/>
                           <a:ea typeface="微软雅黑 Light" charset="0"/>
                         </a:rPr>
-                        <a:t>航线</a:t>
+                        <a:t>Routes</a:t>
+                      </a:r>
+                      <a:endParaRPr lang="en-US" altLang="zh-CN" sz="1600" u="none">
+                        <a:latin typeface="微软雅黑 Light" charset="0"/>
+                        <a:ea typeface="微软雅黑 Light" charset="0"/>
+                      </a:endParaRPr>
+                    </a:p>
+                  </a:txBody>
+                  <a:tcPr marL="0" marR="0" marT="0" marB="0" vert="horz" anchor="ctr"/>
+                </a:tc>
+              </a:tr>
+              <a:tr h="190500">
+                <a:tc>
+                  <a:txBody>
+                    <a:bodyPr/>
+                    <a:p>
+                      <a:pPr marL="0" indent="0" algn="ctr">
+                        <a:buNone/>
+                      </a:pPr>
+                      <a:r>
+                        <a:rPr lang="en-US" altLang="zh-CN" sz="1600" u="none">
+                          <a:latin typeface="微软雅黑 Light" charset="0"/>
+                          <a:ea typeface="微软雅黑 Light" charset="0"/>
+                        </a:rPr>
+                        <a:t>North America</a:t>
+                      </a:r>
+                      <a:endParaRPr lang="en-US" altLang="zh-CN" sz="1600" u="none">
+                        <a:latin typeface="微软雅黑 Light" charset="0"/>
+                        <a:ea typeface="微软雅黑 Light" charset="0"/>
+                      </a:endParaRPr>
+                    </a:p>
+                  </a:txBody>
+                  <a:tcPr marL="0" marR="0" marT="0" marB="0" vert="horz" anchor="ctr"/>
+                </a:tc>
+                <a:tc>
+                  <a:txBody>
+                    <a:bodyPr/>
+                    <a:p>
+                      <a:pPr marL="0" indent="0" algn="ctr">
+                        <a:buNone/>
+                      </a:pPr>
+                      <a:r>
+                        <a:rPr lang="en-US" altLang="zh-CN" sz="1600" u="none">
+                          <a:latin typeface="微软雅黑 Light" charset="0"/>
+                          <a:ea typeface="微软雅黑 Light" charset="0"/>
+                        </a:rPr>
+                        <a:t>BJS-LAX</a:t>
                       </a:r>
                       <a:endParaRPr lang="zh-CN" altLang="en-US" sz="1600" u="none">
                         <a:latin typeface="微软雅黑 Light" charset="0"/>
@@ -16860,11 +16982,12 @@
                         <a:buNone/>
                       </a:pPr>
                       <a:r>
-                        <a:rPr lang="zh-CN" altLang="en-US" sz="1600" u="none">
+                        <a:rPr lang="en-US" altLang="zh-CN" sz="1600">
                           <a:latin typeface="微软雅黑 Light" charset="0"/>
                           <a:ea typeface="微软雅黑 Light" charset="0"/>
+                          <a:sym typeface="+mn-ea"/>
                         </a:rPr>
-                        <a:t>北美</a:t>
+                        <a:t>North America</a:t>
                       </a:r>
                       <a:endParaRPr lang="zh-CN" altLang="en-US" sz="1600" u="none">
                         <a:latin typeface="微软雅黑 Light" charset="0"/>
@@ -16882,25 +17005,11 @@
                         <a:buNone/>
                       </a:pPr>
                       <a:r>
-                        <a:rPr lang="zh-CN" altLang="en-US" sz="1600" u="none">
-                          <a:latin typeface="微软雅黑 Light" charset="0"/>
-                          <a:ea typeface="微软雅黑 Light" charset="0"/>
-                        </a:rPr>
-                        <a:t>北京</a:t>
-                      </a:r>
-                      <a:r>
                         <a:rPr lang="en-US" altLang="zh-CN" sz="1600" u="none">
                           <a:latin typeface="微软雅黑 Light" charset="0"/>
                           <a:ea typeface="微软雅黑 Light" charset="0"/>
                         </a:rPr>
-                        <a:t>-</a:t>
-                      </a:r>
-                      <a:r>
-                        <a:rPr lang="zh-CN" altLang="en-US" sz="1600" u="none">
-                          <a:latin typeface="微软雅黑 Light" charset="0"/>
-                          <a:ea typeface="微软雅黑 Light" charset="0"/>
-                        </a:rPr>
-                        <a:t>洛杉矶</a:t>
+                        <a:t>BJS-NYC</a:t>
                       </a:r>
                       <a:endParaRPr lang="zh-CN" altLang="en-US" sz="1600" u="none">
                         <a:latin typeface="微软雅黑 Light" charset="0"/>
@@ -16920,11 +17029,12 @@
                         <a:buNone/>
                       </a:pPr>
                       <a:r>
-                        <a:rPr lang="zh-CN" altLang="en-US" sz="1600" u="none">
+                        <a:rPr lang="en-US" altLang="zh-CN" sz="1600">
                           <a:latin typeface="微软雅黑 Light" charset="0"/>
                           <a:ea typeface="微软雅黑 Light" charset="0"/>
+                          <a:sym typeface="+mn-ea"/>
                         </a:rPr>
-                        <a:t>北美</a:t>
+                        <a:t>North America</a:t>
                       </a:r>
                       <a:endParaRPr lang="zh-CN" altLang="en-US" sz="1600" u="none">
                         <a:latin typeface="微软雅黑 Light" charset="0"/>
@@ -16942,25 +17052,11 @@
                         <a:buNone/>
                       </a:pPr>
                       <a:r>
-                        <a:rPr lang="zh-CN" altLang="en-US" sz="1600" u="none">
-                          <a:latin typeface="微软雅黑 Light" charset="0"/>
-                          <a:ea typeface="微软雅黑 Light" charset="0"/>
-                        </a:rPr>
-                        <a:t>北京</a:t>
-                      </a:r>
-                      <a:r>
                         <a:rPr lang="en-US" altLang="zh-CN" sz="1600" u="none">
                           <a:latin typeface="微软雅黑 Light" charset="0"/>
                           <a:ea typeface="微软雅黑 Light" charset="0"/>
                         </a:rPr>
-                        <a:t>-</a:t>
-                      </a:r>
-                      <a:r>
-                        <a:rPr lang="zh-CN" altLang="en-US" sz="1600" u="none">
-                          <a:latin typeface="微软雅黑 Light" charset="0"/>
-                          <a:ea typeface="微软雅黑 Light" charset="0"/>
-                        </a:rPr>
-                        <a:t>纽约</a:t>
+                        <a:t>BJS-SFO</a:t>
                       </a:r>
                       <a:endParaRPr lang="zh-CN" altLang="en-US" sz="1600" u="none">
                         <a:latin typeface="微软雅黑 Light" charset="0"/>
@@ -16980,11 +17076,12 @@
                         <a:buNone/>
                       </a:pPr>
                       <a:r>
-                        <a:rPr lang="zh-CN" altLang="en-US" sz="1600" u="none">
+                        <a:rPr lang="en-US" altLang="zh-CN" sz="1600">
                           <a:latin typeface="微软雅黑 Light" charset="0"/>
                           <a:ea typeface="微软雅黑 Light" charset="0"/>
+                          <a:sym typeface="+mn-ea"/>
                         </a:rPr>
-                        <a:t>北美</a:t>
+                        <a:t>North America</a:t>
                       </a:r>
                       <a:endParaRPr lang="zh-CN" altLang="en-US" sz="1600" u="none">
                         <a:latin typeface="微软雅黑 Light" charset="0"/>
@@ -17002,25 +17099,58 @@
                         <a:buNone/>
                       </a:pPr>
                       <a:r>
-                        <a:rPr lang="zh-CN" altLang="en-US" sz="1600" u="none">
+                        <a:rPr lang="en-US" altLang="zh-CN" sz="1600" u="none">
                           <a:latin typeface="微软雅黑 Light" charset="0"/>
                           <a:ea typeface="微软雅黑 Light" charset="0"/>
                         </a:rPr>
-                        <a:t>北京</a:t>
+                        <a:t>BJS-YVR</a:t>
                       </a:r>
+                      <a:endParaRPr lang="zh-CN" altLang="en-US" sz="1600" u="none">
+                        <a:latin typeface="微软雅黑 Light" charset="0"/>
+                        <a:ea typeface="微软雅黑 Light" charset="0"/>
+                      </a:endParaRPr>
+                    </a:p>
+                  </a:txBody>
+                  <a:tcPr marL="0" marR="0" marT="0" marB="0" vert="horz" anchor="ctr"/>
+                </a:tc>
+              </a:tr>
+              <a:tr h="256540">
+                <a:tc>
+                  <a:txBody>
+                    <a:bodyPr/>
+                    <a:p>
+                      <a:pPr marL="0" indent="0" algn="ctr">
+                        <a:buNone/>
+                      </a:pPr>
+                      <a:r>
+                        <a:rPr lang="en-US" altLang="zh-CN" sz="1600">
+                          <a:latin typeface="微软雅黑 Light" charset="0"/>
+                          <a:ea typeface="微软雅黑 Light" charset="0"/>
+                          <a:sym typeface="+mn-ea"/>
+                        </a:rPr>
+                        <a:t>North America</a:t>
+                      </a:r>
+                      <a:endParaRPr lang="zh-CN" altLang="en-US" sz="1600" u="none">
+                        <a:latin typeface="微软雅黑 Light" charset="0"/>
+                        <a:ea typeface="微软雅黑 Light" charset="0"/>
+                      </a:endParaRPr>
+                    </a:p>
+                  </a:txBody>
+                  <a:tcPr marL="0" marR="0" marT="0" marB="0" vert="horz" anchor="ctr"/>
+                </a:tc>
+                <a:tc>
+                  <a:txBody>
+                    <a:bodyPr/>
+                    <a:p>
+                      <a:pPr marL="0" indent="0" algn="ctr">
+                        <a:buNone/>
+                      </a:pPr>
                       <a:r>
                         <a:rPr lang="en-US" altLang="zh-CN" sz="1600" u="none">
                           <a:latin typeface="微软雅黑 Light" charset="0"/>
                           <a:ea typeface="微软雅黑 Light" charset="0"/>
                         </a:rPr>
-                        <a:t>-</a:t>
-                      </a:r>
-                      <a:r>
-                        <a:rPr lang="zh-CN" altLang="en-US" sz="1600" u="none">
-                          <a:latin typeface="微软雅黑 Light" charset="0"/>
-                          <a:ea typeface="微软雅黑 Light" charset="0"/>
-                        </a:rPr>
-                        <a:t>旧金山</a:t>
+                        <a:t>BJS-ATL</a:t>
                       </a:r>
                       <a:endParaRPr lang="zh-CN" altLang="en-US" sz="1600" u="none">
                         <a:latin typeface="微软雅黑 Light" charset="0"/>
@@ -17040,11 +17170,12 @@
                         <a:buNone/>
                       </a:pPr>
                       <a:r>
-                        <a:rPr lang="zh-CN" altLang="en-US" sz="1600" u="none">
+                        <a:rPr lang="en-US" altLang="zh-CN" sz="1600">
                           <a:latin typeface="微软雅黑 Light" charset="0"/>
                           <a:ea typeface="微软雅黑 Light" charset="0"/>
+                          <a:sym typeface="+mn-ea"/>
                         </a:rPr>
-                        <a:t>北美</a:t>
+                        <a:t>North America</a:t>
                       </a:r>
                       <a:endParaRPr lang="zh-CN" altLang="en-US" sz="1600" u="none">
                         <a:latin typeface="微软雅黑 Light" charset="0"/>
@@ -17062,85 +17193,11 @@
                         <a:buNone/>
                       </a:pPr>
                       <a:r>
-                        <a:rPr lang="zh-CN" altLang="en-US" sz="1600" u="none">
-                          <a:latin typeface="微软雅黑 Light" charset="0"/>
-                          <a:ea typeface="微软雅黑 Light" charset="0"/>
-                        </a:rPr>
-                        <a:t>北京</a:t>
-                      </a:r>
-                      <a:r>
                         <a:rPr lang="en-US" altLang="zh-CN" sz="1600" u="none">
                           <a:latin typeface="微软雅黑 Light" charset="0"/>
                           <a:ea typeface="微软雅黑 Light" charset="0"/>
                         </a:rPr>
-                        <a:t>-</a:t>
-                      </a:r>
-                      <a:r>
-                        <a:rPr lang="zh-CN" altLang="en-US" sz="1600" u="none">
-                          <a:latin typeface="微软雅黑 Light" charset="0"/>
-                          <a:ea typeface="微软雅黑 Light" charset="0"/>
-                        </a:rPr>
-                        <a:t>温哥华</a:t>
-                      </a:r>
-                      <a:endParaRPr lang="zh-CN" altLang="en-US" sz="1600" u="none">
-                        <a:latin typeface="微软雅黑 Light" charset="0"/>
-                        <a:ea typeface="微软雅黑 Light" charset="0"/>
-                      </a:endParaRPr>
-                    </a:p>
-                  </a:txBody>
-                  <a:tcPr marL="0" marR="0" marT="0" marB="0" vert="horz" anchor="ctr"/>
-                </a:tc>
-              </a:tr>
-              <a:tr h="256540">
-                <a:tc>
-                  <a:txBody>
-                    <a:bodyPr/>
-                    <a:p>
-                      <a:pPr marL="0" indent="0" algn="ctr">
-                        <a:buNone/>
-                      </a:pPr>
-                      <a:r>
-                        <a:rPr lang="zh-CN" altLang="en-US" sz="1600" u="none">
-                          <a:latin typeface="微软雅黑 Light" charset="0"/>
-                          <a:ea typeface="微软雅黑 Light" charset="0"/>
-                        </a:rPr>
-                        <a:t>北美</a:t>
-                      </a:r>
-                      <a:endParaRPr lang="zh-CN" altLang="en-US" sz="1600" u="none">
-                        <a:latin typeface="微软雅黑 Light" charset="0"/>
-                        <a:ea typeface="微软雅黑 Light" charset="0"/>
-                      </a:endParaRPr>
-                    </a:p>
-                  </a:txBody>
-                  <a:tcPr marL="0" marR="0" marT="0" marB="0" vert="horz" anchor="ctr"/>
-                </a:tc>
-                <a:tc>
-                  <a:txBody>
-                    <a:bodyPr/>
-                    <a:p>
-                      <a:pPr marL="0" indent="0" algn="ctr">
-                        <a:buNone/>
-                      </a:pPr>
-                      <a:r>
-                        <a:rPr lang="zh-CN" altLang="en-US" sz="1600" u="none">
-                          <a:latin typeface="微软雅黑 Light" charset="0"/>
-                          <a:ea typeface="微软雅黑 Light" charset="0"/>
-                        </a:rPr>
-                        <a:t>北京</a:t>
-                      </a:r>
-                      <a:r>
-                        <a:rPr lang="en-US" altLang="zh-CN" sz="1600" u="none">
-                          <a:latin typeface="微软雅黑 Light" charset="0"/>
-                          <a:ea typeface="微软雅黑 Light" charset="0"/>
-                        </a:rPr>
-                        <a:t>-</a:t>
-                      </a:r>
-                      <a:r>
-                        <a:rPr lang="zh-CN" altLang="en-US" sz="1600" u="none">
-                          <a:latin typeface="微软雅黑 Light" charset="0"/>
-                          <a:ea typeface="微软雅黑 Light" charset="0"/>
-                        </a:rPr>
-                        <a:t>亚特兰大</a:t>
+                        <a:t>BJS-YYZ</a:t>
                       </a:r>
                       <a:endParaRPr lang="zh-CN" altLang="en-US" sz="1600" u="none">
                         <a:latin typeface="微软雅黑 Light" charset="0"/>
@@ -17160,13 +17217,13 @@
                         <a:buNone/>
                       </a:pPr>
                       <a:r>
-                        <a:rPr lang="zh-CN" altLang="en-US" sz="1600" u="none">
+                        <a:rPr lang="en-US" altLang="zh-CN" sz="1600" u="none">
                           <a:latin typeface="微软雅黑 Light" charset="0"/>
                           <a:ea typeface="微软雅黑 Light" charset="0"/>
                         </a:rPr>
-                        <a:t>北美</a:t>
+                        <a:t>Europe</a:t>
                       </a:r>
-                      <a:endParaRPr lang="zh-CN" altLang="en-US" sz="1600" u="none">
+                      <a:endParaRPr lang="en-US" altLang="zh-CN" sz="1600" u="none">
                         <a:latin typeface="微软雅黑 Light" charset="0"/>
                         <a:ea typeface="微软雅黑 Light" charset="0"/>
                       </a:endParaRPr>
@@ -17182,25 +17239,11 @@
                         <a:buNone/>
                       </a:pPr>
                       <a:r>
-                        <a:rPr lang="zh-CN" altLang="en-US" sz="1600" u="none">
-                          <a:latin typeface="微软雅黑 Light" charset="0"/>
-                          <a:ea typeface="微软雅黑 Light" charset="0"/>
-                        </a:rPr>
-                        <a:t>北京</a:t>
-                      </a:r>
-                      <a:r>
                         <a:rPr lang="en-US" altLang="zh-CN" sz="1600" u="none">
                           <a:latin typeface="微软雅黑 Light" charset="0"/>
                           <a:ea typeface="微软雅黑 Light" charset="0"/>
                         </a:rPr>
-                        <a:t>-</a:t>
-                      </a:r>
-                      <a:r>
-                        <a:rPr lang="zh-CN" altLang="en-US" sz="1600" u="none">
-                          <a:latin typeface="微软雅黑 Light" charset="0"/>
-                          <a:ea typeface="微软雅黑 Light" charset="0"/>
-                        </a:rPr>
-                        <a:t>多伦多</a:t>
+                        <a:t>BJS-LHR</a:t>
                       </a:r>
                       <a:endParaRPr lang="zh-CN" altLang="en-US" sz="1600" u="none">
                         <a:latin typeface="微软雅黑 Light" charset="0"/>
@@ -17220,13 +17263,13 @@
                         <a:buNone/>
                       </a:pPr>
                       <a:r>
-                        <a:rPr lang="zh-CN" altLang="en-US" sz="1600" u="none">
+                        <a:rPr lang="en-US" altLang="zh-CN" sz="1600" u="none">
                           <a:latin typeface="微软雅黑 Light" charset="0"/>
                           <a:ea typeface="微软雅黑 Light" charset="0"/>
                         </a:rPr>
-                        <a:t>欧洲</a:t>
+                        <a:t>Europe</a:t>
                       </a:r>
-                      <a:endParaRPr lang="zh-CN" altLang="en-US" sz="1600" u="none">
+                      <a:endParaRPr lang="en-US" altLang="zh-CN" sz="1600" u="none">
                         <a:latin typeface="微软雅黑 Light" charset="0"/>
                         <a:ea typeface="微软雅黑 Light" charset="0"/>
                       </a:endParaRPr>
@@ -17242,25 +17285,11 @@
                         <a:buNone/>
                       </a:pPr>
                       <a:r>
-                        <a:rPr lang="zh-CN" altLang="en-US" sz="1600" u="none">
-                          <a:latin typeface="微软雅黑 Light" charset="0"/>
-                          <a:ea typeface="微软雅黑 Light" charset="0"/>
-                        </a:rPr>
-                        <a:t>北京</a:t>
-                      </a:r>
-                      <a:r>
                         <a:rPr lang="en-US" altLang="zh-CN" sz="1600" u="none">
                           <a:latin typeface="微软雅黑 Light" charset="0"/>
                           <a:ea typeface="微软雅黑 Light" charset="0"/>
                         </a:rPr>
-                        <a:t>-</a:t>
-                      </a:r>
-                      <a:r>
-                        <a:rPr lang="zh-CN" altLang="en-US" sz="1600" u="none">
-                          <a:latin typeface="微软雅黑 Light" charset="0"/>
-                          <a:ea typeface="微软雅黑 Light" charset="0"/>
-                        </a:rPr>
-                        <a:t>伦敦</a:t>
+                        <a:t>BJS-AMS</a:t>
                       </a:r>
                       <a:endParaRPr lang="zh-CN" altLang="en-US" sz="1600" u="none">
                         <a:latin typeface="微软雅黑 Light" charset="0"/>
@@ -17280,13 +17309,13 @@
                         <a:buNone/>
                       </a:pPr>
                       <a:r>
-                        <a:rPr lang="zh-CN" altLang="en-US" sz="1600" u="none">
+                        <a:rPr lang="en-US" altLang="zh-CN" sz="1600" u="none">
                           <a:latin typeface="微软雅黑 Light" charset="0"/>
                           <a:ea typeface="微软雅黑 Light" charset="0"/>
                         </a:rPr>
-                        <a:t>欧洲</a:t>
+                        <a:t>Europe</a:t>
                       </a:r>
-                      <a:endParaRPr lang="zh-CN" altLang="en-US" sz="1600" u="none">
+                      <a:endParaRPr lang="en-US" altLang="zh-CN" sz="1600" u="none">
                         <a:latin typeface="微软雅黑 Light" charset="0"/>
                         <a:ea typeface="微软雅黑 Light" charset="0"/>
                       </a:endParaRPr>
@@ -17302,25 +17331,11 @@
                         <a:buNone/>
                       </a:pPr>
                       <a:r>
-                        <a:rPr lang="zh-CN" altLang="en-US" sz="1600" u="none">
-                          <a:latin typeface="微软雅黑 Light" charset="0"/>
-                          <a:ea typeface="微软雅黑 Light" charset="0"/>
-                        </a:rPr>
-                        <a:t>北京</a:t>
-                      </a:r>
-                      <a:r>
                         <a:rPr lang="en-US" altLang="zh-CN" sz="1600" u="none">
                           <a:latin typeface="微软雅黑 Light" charset="0"/>
                           <a:ea typeface="微软雅黑 Light" charset="0"/>
                         </a:rPr>
-                        <a:t>-</a:t>
-                      </a:r>
-                      <a:r>
-                        <a:rPr lang="zh-CN" altLang="en-US" sz="1600" u="none">
-                          <a:latin typeface="微软雅黑 Light" charset="0"/>
-                          <a:ea typeface="微软雅黑 Light" charset="0"/>
-                        </a:rPr>
-                        <a:t>阿姆</a:t>
+                        <a:t>BJS-CDG</a:t>
                       </a:r>
                       <a:endParaRPr lang="zh-CN" altLang="en-US" sz="1600" u="none">
                         <a:latin typeface="微软雅黑 Light" charset="0"/>
@@ -17340,13 +17355,13 @@
                         <a:buNone/>
                       </a:pPr>
                       <a:r>
-                        <a:rPr lang="zh-CN" altLang="en-US" sz="1600" u="none">
+                        <a:rPr lang="en-US" altLang="zh-CN" sz="1600" u="none">
                           <a:latin typeface="微软雅黑 Light" charset="0"/>
                           <a:ea typeface="微软雅黑 Light" charset="0"/>
                         </a:rPr>
-                        <a:t>欧洲</a:t>
+                        <a:t>Europe</a:t>
                       </a:r>
-                      <a:endParaRPr lang="zh-CN" altLang="en-US" sz="1600" u="none">
+                      <a:endParaRPr lang="en-US" altLang="zh-CN" sz="1600" u="none">
                         <a:latin typeface="微软雅黑 Light" charset="0"/>
                         <a:ea typeface="微软雅黑 Light" charset="0"/>
                       </a:endParaRPr>
@@ -17362,25 +17377,11 @@
                         <a:buNone/>
                       </a:pPr>
                       <a:r>
-                        <a:rPr lang="zh-CN" altLang="en-US" sz="1600" u="none">
-                          <a:latin typeface="微软雅黑 Light" charset="0"/>
-                          <a:ea typeface="微软雅黑 Light" charset="0"/>
-                        </a:rPr>
-                        <a:t>北京</a:t>
-                      </a:r>
-                      <a:r>
                         <a:rPr lang="en-US" altLang="zh-CN" sz="1600" u="none">
                           <a:latin typeface="微软雅黑 Light" charset="0"/>
                           <a:ea typeface="微软雅黑 Light" charset="0"/>
                         </a:rPr>
-                        <a:t>-</a:t>
-                      </a:r>
-                      <a:r>
-                        <a:rPr lang="zh-CN" altLang="en-US" sz="1600" u="none">
-                          <a:latin typeface="微软雅黑 Light" charset="0"/>
-                          <a:ea typeface="微软雅黑 Light" charset="0"/>
-                        </a:rPr>
-                        <a:t>巴黎</a:t>
+                        <a:t>BJS-SVO</a:t>
                       </a:r>
                       <a:endParaRPr lang="zh-CN" altLang="en-US" sz="1600" u="none">
                         <a:latin typeface="微软雅黑 Light" charset="0"/>
@@ -17400,13 +17401,13 @@
                         <a:buNone/>
                       </a:pPr>
                       <a:r>
-                        <a:rPr lang="zh-CN" altLang="en-US" sz="1600" u="none">
+                        <a:rPr lang="en-US" altLang="zh-CN" sz="1600" u="none">
                           <a:latin typeface="微软雅黑 Light" charset="0"/>
                           <a:ea typeface="微软雅黑 Light" charset="0"/>
                         </a:rPr>
-                        <a:t>欧洲</a:t>
+                        <a:t>Europe</a:t>
                       </a:r>
-                      <a:endParaRPr lang="zh-CN" altLang="en-US" sz="1600" u="none">
+                      <a:endParaRPr lang="en-US" altLang="zh-CN" sz="1600" u="none">
                         <a:latin typeface="微软雅黑 Light" charset="0"/>
                         <a:ea typeface="微软雅黑 Light" charset="0"/>
                       </a:endParaRPr>
@@ -17422,25 +17423,57 @@
                         <a:buNone/>
                       </a:pPr>
                       <a:r>
-                        <a:rPr lang="zh-CN" altLang="en-US" sz="1600" u="none">
+                        <a:rPr lang="en-US" altLang="zh-CN" sz="1600" u="none">
                           <a:latin typeface="微软雅黑 Light" charset="0"/>
                           <a:ea typeface="微软雅黑 Light" charset="0"/>
                         </a:rPr>
-                        <a:t>北京</a:t>
+                        <a:t>BJS-FRA</a:t>
                       </a:r>
+                      <a:endParaRPr lang="zh-CN" altLang="en-US" sz="1600" u="none">
+                        <a:latin typeface="微软雅黑 Light" charset="0"/>
+                        <a:ea typeface="微软雅黑 Light" charset="0"/>
+                      </a:endParaRPr>
+                    </a:p>
+                  </a:txBody>
+                  <a:tcPr marL="0" marR="0" marT="0" marB="0" vert="horz" anchor="ctr"/>
+                </a:tc>
+              </a:tr>
+              <a:tr h="177800">
+                <a:tc>
+                  <a:txBody>
+                    <a:bodyPr/>
+                    <a:p>
+                      <a:pPr marL="0" indent="0" algn="ctr">
+                        <a:buNone/>
+                      </a:pPr>
                       <a:r>
                         <a:rPr lang="en-US" altLang="zh-CN" sz="1600" u="none">
                           <a:latin typeface="微软雅黑 Light" charset="0"/>
                           <a:ea typeface="微软雅黑 Light" charset="0"/>
                         </a:rPr>
-                        <a:t>-</a:t>
+                        <a:t>Oceania</a:t>
                       </a:r>
+                      <a:endParaRPr lang="en-US" altLang="zh-CN" sz="1600" u="none">
+                        <a:latin typeface="微软雅黑 Light" charset="0"/>
+                        <a:ea typeface="微软雅黑 Light" charset="0"/>
+                      </a:endParaRPr>
+                    </a:p>
+                  </a:txBody>
+                  <a:tcPr marL="0" marR="0" marT="0" marB="0" vert="horz" anchor="ctr"/>
+                </a:tc>
+                <a:tc>
+                  <a:txBody>
+                    <a:bodyPr/>
+                    <a:p>
+                      <a:pPr marL="0" indent="0" algn="ctr">
+                        <a:buNone/>
+                      </a:pPr>
                       <a:r>
-                        <a:rPr lang="zh-CN" altLang="en-US" sz="1600" u="none">
+                        <a:rPr lang="en-US" altLang="zh-CN" sz="1600" u="none">
                           <a:latin typeface="微软雅黑 Light" charset="0"/>
                           <a:ea typeface="微软雅黑 Light" charset="0"/>
                         </a:rPr>
-                        <a:t>莫斯科</a:t>
+                        <a:t>BJS-SYD</a:t>
                       </a:r>
                       <a:endParaRPr lang="zh-CN" altLang="en-US" sz="1600" u="none">
                         <a:latin typeface="微软雅黑 Light" charset="0"/>
@@ -17460,13 +17493,13 @@
                         <a:buNone/>
                       </a:pPr>
                       <a:r>
-                        <a:rPr lang="zh-CN" altLang="en-US" sz="1600" u="none">
+                        <a:rPr lang="en-US" altLang="zh-CN" sz="1600" u="none">
                           <a:latin typeface="微软雅黑 Light" charset="0"/>
                           <a:ea typeface="微软雅黑 Light" charset="0"/>
                         </a:rPr>
-                        <a:t>欧洲</a:t>
+                        <a:t>Oceania</a:t>
                       </a:r>
-                      <a:endParaRPr lang="zh-CN" altLang="en-US" sz="1600" u="none">
+                      <a:endParaRPr lang="en-US" altLang="zh-CN" sz="1600" u="none">
                         <a:latin typeface="微软雅黑 Light" charset="0"/>
                         <a:ea typeface="微软雅黑 Light" charset="0"/>
                       </a:endParaRPr>
@@ -17482,85 +17515,11 @@
                         <a:buNone/>
                       </a:pPr>
                       <a:r>
-                        <a:rPr lang="zh-CN" altLang="en-US" sz="1600" u="none">
-                          <a:latin typeface="微软雅黑 Light" charset="0"/>
-                          <a:ea typeface="微软雅黑 Light" charset="0"/>
-                        </a:rPr>
-                        <a:t>北京</a:t>
-                      </a:r>
-                      <a:r>
                         <a:rPr lang="en-US" altLang="zh-CN" sz="1600" u="none">
                           <a:latin typeface="微软雅黑 Light" charset="0"/>
                           <a:ea typeface="微软雅黑 Light" charset="0"/>
                         </a:rPr>
-                        <a:t>-</a:t>
-                      </a:r>
-                      <a:r>
-                        <a:rPr lang="zh-CN" altLang="en-US" sz="1600" u="none">
-                          <a:latin typeface="微软雅黑 Light" charset="0"/>
-                          <a:ea typeface="微软雅黑 Light" charset="0"/>
-                        </a:rPr>
-                        <a:t>法兰克福</a:t>
-                      </a:r>
-                      <a:endParaRPr lang="zh-CN" altLang="en-US" sz="1600" u="none">
-                        <a:latin typeface="微软雅黑 Light" charset="0"/>
-                        <a:ea typeface="微软雅黑 Light" charset="0"/>
-                      </a:endParaRPr>
-                    </a:p>
-                  </a:txBody>
-                  <a:tcPr marL="0" marR="0" marT="0" marB="0" vert="horz" anchor="ctr"/>
-                </a:tc>
-              </a:tr>
-              <a:tr h="177800">
-                <a:tc>
-                  <a:txBody>
-                    <a:bodyPr/>
-                    <a:p>
-                      <a:pPr marL="0" indent="0" algn="ctr">
-                        <a:buNone/>
-                      </a:pPr>
-                      <a:r>
-                        <a:rPr lang="zh-CN" altLang="en-US" sz="1600" u="none">
-                          <a:latin typeface="微软雅黑 Light" charset="0"/>
-                          <a:ea typeface="微软雅黑 Light" charset="0"/>
-                        </a:rPr>
-                        <a:t>澳新地区</a:t>
-                      </a:r>
-                      <a:endParaRPr lang="zh-CN" altLang="en-US" sz="1600" u="none">
-                        <a:latin typeface="微软雅黑 Light" charset="0"/>
-                        <a:ea typeface="微软雅黑 Light" charset="0"/>
-                      </a:endParaRPr>
-                    </a:p>
-                  </a:txBody>
-                  <a:tcPr marL="0" marR="0" marT="0" marB="0" vert="horz" anchor="ctr"/>
-                </a:tc>
-                <a:tc>
-                  <a:txBody>
-                    <a:bodyPr/>
-                    <a:p>
-                      <a:pPr marL="0" indent="0" algn="ctr">
-                        <a:buNone/>
-                      </a:pPr>
-                      <a:r>
-                        <a:rPr lang="zh-CN" altLang="en-US" sz="1600" u="none">
-                          <a:latin typeface="微软雅黑 Light" charset="0"/>
-                          <a:ea typeface="微软雅黑 Light" charset="0"/>
-                        </a:rPr>
-                        <a:t>北京</a:t>
-                      </a:r>
-                      <a:r>
-                        <a:rPr lang="en-US" altLang="zh-CN" sz="1600" u="none">
-                          <a:latin typeface="微软雅黑 Light" charset="0"/>
-                          <a:ea typeface="微软雅黑 Light" charset="0"/>
-                        </a:rPr>
-                        <a:t>-</a:t>
-                      </a:r>
-                      <a:r>
-                        <a:rPr lang="zh-CN" altLang="en-US" sz="1600" u="none">
-                          <a:latin typeface="微软雅黑 Light" charset="0"/>
-                          <a:ea typeface="微软雅黑 Light" charset="0"/>
-                        </a:rPr>
-                        <a:t>悉尼</a:t>
+                        <a:t>BJS-MEL</a:t>
                       </a:r>
                       <a:endParaRPr lang="zh-CN" altLang="en-US" sz="1600" u="none">
                         <a:latin typeface="微软雅黑 Light" charset="0"/>
@@ -17580,13 +17539,13 @@
                         <a:buNone/>
                       </a:pPr>
                       <a:r>
-                        <a:rPr lang="zh-CN" altLang="en-US" sz="1600" u="none">
+                        <a:rPr lang="en-US" altLang="zh-CN" sz="1600" u="none">
                           <a:latin typeface="微软雅黑 Light" charset="0"/>
                           <a:ea typeface="微软雅黑 Light" charset="0"/>
                         </a:rPr>
-                        <a:t>澳新地区</a:t>
+                        <a:t>Oceania</a:t>
                       </a:r>
-                      <a:endParaRPr lang="zh-CN" altLang="en-US" sz="1600" u="none">
+                      <a:endParaRPr lang="en-US" altLang="zh-CN" sz="1600" u="none">
                         <a:latin typeface="微软雅黑 Light" charset="0"/>
                         <a:ea typeface="微软雅黑 Light" charset="0"/>
                       </a:endParaRPr>
@@ -17602,25 +17561,11 @@
                         <a:buNone/>
                       </a:pPr>
                       <a:r>
-                        <a:rPr lang="zh-CN" altLang="en-US" sz="1600" u="none">
-                          <a:latin typeface="微软雅黑 Light" charset="0"/>
-                          <a:ea typeface="微软雅黑 Light" charset="0"/>
-                        </a:rPr>
-                        <a:t>北京</a:t>
-                      </a:r>
-                      <a:r>
                         <a:rPr lang="en-US" altLang="zh-CN" sz="1600" u="none">
                           <a:latin typeface="微软雅黑 Light" charset="0"/>
                           <a:ea typeface="微软雅黑 Light" charset="0"/>
                         </a:rPr>
-                        <a:t>-</a:t>
-                      </a:r>
-                      <a:r>
-                        <a:rPr lang="zh-CN" altLang="en-US" sz="1600" u="none">
-                          <a:latin typeface="微软雅黑 Light" charset="0"/>
-                          <a:ea typeface="微软雅黑 Light" charset="0"/>
-                        </a:rPr>
-                        <a:t>墨尔本</a:t>
+                        <a:t>BJS-AKL</a:t>
                       </a:r>
                       <a:endParaRPr lang="zh-CN" altLang="en-US" sz="1600" u="none">
                         <a:latin typeface="微软雅黑 Light" charset="0"/>
@@ -17640,13 +17585,13 @@
                         <a:buNone/>
                       </a:pPr>
                       <a:r>
-                        <a:rPr lang="zh-CN" altLang="en-US" sz="1600" u="none">
+                        <a:rPr lang="en-US" altLang="zh-CN" sz="1600" u="none">
                           <a:latin typeface="微软雅黑 Light" charset="0"/>
                           <a:ea typeface="微软雅黑 Light" charset="0"/>
                         </a:rPr>
-                        <a:t>澳新地区</a:t>
+                        <a:t>...</a:t>
                       </a:r>
-                      <a:endParaRPr lang="zh-CN" altLang="en-US" sz="1600" u="none">
+                      <a:endParaRPr lang="en-US" altLang="zh-CN" sz="1600" u="none">
                         <a:latin typeface="微软雅黑 Light" charset="0"/>
                         <a:ea typeface="微软雅黑 Light" charset="0"/>
                       </a:endParaRPr>
@@ -17662,27 +17607,13 @@
                         <a:buNone/>
                       </a:pPr>
                       <a:r>
-                        <a:rPr lang="zh-CN" altLang="en-US" sz="1600" u="none">
-                          <a:latin typeface="微软雅黑 Light" charset="0"/>
-                          <a:ea typeface="微软雅黑 Light" charset="0"/>
-                        </a:rPr>
-                        <a:t>北京</a:t>
-                      </a:r>
-                      <a:r>
                         <a:rPr lang="en-US" altLang="zh-CN" sz="1600" u="none">
                           <a:latin typeface="微软雅黑 Light" charset="0"/>
                           <a:ea typeface="微软雅黑 Light" charset="0"/>
                         </a:rPr>
-                        <a:t>-</a:t>
+                        <a:t>...</a:t>
                       </a:r>
-                      <a:r>
-                        <a:rPr lang="zh-CN" altLang="en-US" sz="1600" u="none">
-                          <a:latin typeface="微软雅黑 Light" charset="0"/>
-                          <a:ea typeface="微软雅黑 Light" charset="0"/>
-                        </a:rPr>
-                        <a:t>奥克兰</a:t>
-                      </a:r>
-                      <a:endParaRPr lang="zh-CN" altLang="en-US" sz="1600" u="none">
+                      <a:endParaRPr lang="en-US" altLang="zh-CN" sz="1600" u="none">
                         <a:latin typeface="微软雅黑 Light" charset="0"/>
                         <a:ea typeface="微软雅黑 Light" charset="0"/>
                       </a:endParaRPr>
@@ -17703,8 +17634,8 @@
         </p:nvSpPr>
         <p:spPr>
           <a:xfrm>
-            <a:off x="1428115" y="1330960"/>
-            <a:ext cx="2513965" cy="384810"/>
+            <a:off x="739140" y="1245870"/>
+            <a:ext cx="4649470" cy="659130"/>
           </a:xfrm>
           <a:prstGeom prst="rect">
             <a:avLst/>
@@ -17716,14 +17647,15 @@
             <a:spAutoFit/>
           </a:bodyPr>
           <a:p>
-            <a:r>
-              <a:rPr lang="zh-CN" altLang="en-US">
+            <a:pPr algn="ctr"/>
+            <a:r>
+              <a:rPr lang="en-US" altLang="zh-CN">
                 <a:latin typeface="微软雅黑" charset="0"/>
                 <a:ea typeface="微软雅黑" charset="0"/>
               </a:rPr>
-              <a:t>部分规划中的国际航线</a:t>
-            </a:r>
-            <a:endParaRPr lang="zh-CN" altLang="en-US">
+              <a:t>Example of CZ Future International Routes in Beijing</a:t>
+            </a:r>
+            <a:endParaRPr lang="en-US" altLang="zh-CN">
               <a:latin typeface="微软雅黑" charset="0"/>
               <a:ea typeface="微软雅黑" charset="0"/>
             </a:endParaRPr>
@@ -17868,8 +17800,8 @@
         </p:nvSpPr>
         <p:spPr>
           <a:xfrm>
-            <a:off x="6487795" y="1502410"/>
-            <a:ext cx="2501900" cy="3672205"/>
+            <a:off x="6002020" y="2165985"/>
+            <a:ext cx="3096895" cy="2849245"/>
           </a:xfrm>
           <a:prstGeom prst="rect">
             <a:avLst/>
@@ -17892,7 +17824,7 @@
                 <a:ea typeface="微软雅黑 Light" charset="0"/>
                 <a:cs typeface="仿宋_GB2312" charset="0"/>
               </a:rPr>
-              <a:t>Current domestic destinations are mainly from southern or northeastern areas.</a:t>
+              <a:t>Current domestic destinations are mainly located in southern or northeastern areas.</a:t>
             </a:r>
             <a:endParaRPr lang="en-US" altLang="zh-CN" b="0" u="none">
               <a:latin typeface="微软雅黑 Light" charset="0"/>
@@ -17908,7 +17840,7 @@
                 <a:ea typeface="微软雅黑 Light" charset="0"/>
                 <a:cs typeface="仿宋_GB2312" charset="0"/>
               </a:rPr>
-              <a:t>In the future, we will deploy more flights to eastern\northern\southwestern\northwestern areas, and attract more domestic-international transit passengers</a:t>
+              <a:t>In the future, we will deploy more flights to other areas in China, and attract more domestic-international transit passengers</a:t>
             </a:r>
             <a:endParaRPr lang="zh-CN" altLang="en-US" b="0" u="none">
               <a:latin typeface="微软雅黑 Light" charset="0"/>
@@ -17926,8 +17858,8 @@
         </p:nvSpPr>
         <p:spPr>
           <a:xfrm>
-            <a:off x="2375535" y="1016635"/>
-            <a:ext cx="4793615" cy="384810"/>
+            <a:off x="1100455" y="965200"/>
+            <a:ext cx="4494530" cy="659130"/>
           </a:xfrm>
           <a:prstGeom prst="rect">
             <a:avLst/>
@@ -17940,11 +17872,24 @@
           </a:bodyPr>
           <a:p>
             <a:r>
-              <a:rPr lang="zh-CN" altLang="en-US">
+              <a:rPr lang="en-US" altLang="zh-CN">
                 <a:latin typeface="微软雅黑" charset="0"/>
                 <a:ea typeface="微软雅黑" charset="0"/>
               </a:rPr>
-              <a:t>当前南航北京国内航线网络（不含港澳台）</a:t>
+              <a:t>CZ Current Domestic Routes in Beijing</a:t>
+            </a:r>
+            <a:endParaRPr lang="en-US" altLang="zh-CN">
+              <a:latin typeface="微软雅黑" charset="0"/>
+              <a:ea typeface="微软雅黑" charset="0"/>
+            </a:endParaRPr>
+          </a:p>
+          <a:p>
+            <a:r>
+              <a:rPr lang="en-US" altLang="zh-CN">
+                <a:latin typeface="微软雅黑" charset="0"/>
+                <a:ea typeface="微软雅黑" charset="0"/>
+              </a:rPr>
+              <a:t>(excluding Hongkong\Taiwan\Macau)</a:t>
             </a:r>
             <a:endParaRPr lang="zh-CN" altLang="en-US">
               <a:latin typeface="微软雅黑" charset="0"/>
@@ -18339,8 +18284,8 @@
         </p:blipFill>
         <p:spPr>
           <a:xfrm>
-            <a:off x="384810" y="1450340"/>
-            <a:ext cx="6024245" cy="4251325"/>
+            <a:off x="117475" y="1722755"/>
+            <a:ext cx="5843270" cy="4124325"/>
           </a:xfrm>
           <a:prstGeom prst="rect">
             <a:avLst/>
